--- a/CI_02_AlgorithmiqueProgrammation/02_IntroductionAlgorithmique/Presentation/CI_02_02_IntroductionAlgorithmique_PPT.pptx
+++ b/CI_02_AlgorithmiqueProgrammation/02_IntroductionAlgorithmique/Presentation/CI_02_02_IntroductionAlgorithmique_PPT.pptx
@@ -5,11 +5,19 @@
     <p:sldMasterId id="2147483672" r:id="rId1"/>
   </p:sldMasterIdLst>
   <p:notesMasterIdLst>
-    <p:notesMasterId r:id="rId4"/>
+    <p:notesMasterId r:id="rId12"/>
   </p:notesMasterIdLst>
   <p:sldIdLst>
     <p:sldId id="256" r:id="rId2"/>
-    <p:sldId id="257" r:id="rId3"/>
+    <p:sldId id="258" r:id="rId3"/>
+    <p:sldId id="259" r:id="rId4"/>
+    <p:sldId id="260" r:id="rId5"/>
+    <p:sldId id="261" r:id="rId6"/>
+    <p:sldId id="262" r:id="rId7"/>
+    <p:sldId id="263" r:id="rId8"/>
+    <p:sldId id="264" r:id="rId9"/>
+    <p:sldId id="265" r:id="rId10"/>
+    <p:sldId id="266" r:id="rId11"/>
   </p:sldIdLst>
   <p:sldSz cx="9144000" cy="6858000" type="screen4x3"/>
   <p:notesSz cx="6858000" cy="9144000"/>
@@ -114,7 +122,15 @@
         <p14:section name="Section par défaut" id="{F7B6C9A1-E4F2-4EF2-A0C7-ACE4C2B54E67}">
           <p14:sldIdLst>
             <p14:sldId id="256"/>
-            <p14:sldId id="257"/>
+            <p14:sldId id="258"/>
+            <p14:sldId id="259"/>
+            <p14:sldId id="260"/>
+            <p14:sldId id="261"/>
+            <p14:sldId id="262"/>
+            <p14:sldId id="263"/>
+            <p14:sldId id="264"/>
+            <p14:sldId id="265"/>
+            <p14:sldId id="266"/>
           </p14:sldIdLst>
         </p14:section>
       </p14:sectionLst>
@@ -205,7 +221,7 @@
           <a:p>
             <a:fld id="{408F55C5-7F94-4427-AC6E-B68A66649CA8}" type="datetimeFigureOut">
               <a:rPr lang="fr-FR" smtClean="0"/>
-              <a:t>08/11/2014</a:t>
+              <a:t>09/11/2014</a:t>
             </a:fld>
             <a:endParaRPr lang="fr-FR"/>
           </a:p>
@@ -780,7 +796,7 @@
           <a:p>
             <a:fld id="{2AC0836D-6E45-451B-8C12-1328A662FF5C}" type="datetime1">
               <a:rPr lang="fr-FR" smtClean="0"/>
-              <a:t>08/11/2014</a:t>
+              <a:t>09/11/2014</a:t>
             </a:fld>
             <a:endParaRPr lang="fr-BE"/>
           </a:p>
@@ -1653,7 +1669,7 @@
           <a:p>
             <a:fld id="{7CCDD9DC-742E-40E9-AD11-68A3CC5FD504}" type="datetime1">
               <a:rPr lang="fr-FR" smtClean="0"/>
-              <a:t>08/11/2014</a:t>
+              <a:t>09/11/2014</a:t>
             </a:fld>
             <a:endParaRPr lang="fr-BE"/>
           </a:p>
@@ -1832,7 +1848,7 @@
           <a:p>
             <a:fld id="{092D83EC-F3E8-42F6-8133-A0BE922727D8}" type="datetime1">
               <a:rPr lang="fr-FR" smtClean="0"/>
-              <a:t>08/11/2014</a:t>
+              <a:t>09/11/2014</a:t>
             </a:fld>
             <a:endParaRPr lang="fr-BE"/>
           </a:p>
@@ -2006,7 +2022,7 @@
           <a:p>
             <a:fld id="{538A19F4-AED6-4DAC-A1D8-583203FD5AD5}" type="datetime1">
               <a:rPr lang="fr-FR" smtClean="0"/>
-              <a:t>08/11/2014</a:t>
+              <a:t>09/11/2014</a:t>
             </a:fld>
             <a:endParaRPr lang="fr-BE"/>
           </a:p>
@@ -2227,7 +2243,7 @@
           <a:p>
             <a:fld id="{EDD59582-A404-4F77-889A-E5FFC0336FAD}" type="datetime1">
               <a:rPr lang="fr-FR" smtClean="0"/>
-              <a:t>08/11/2014</a:t>
+              <a:t>09/11/2014</a:t>
             </a:fld>
             <a:endParaRPr lang="fr-BE"/>
           </a:p>
@@ -3045,7 +3061,7 @@
           <a:p>
             <a:fld id="{C4B0F61F-9BF1-4682-B712-38A3A8ED273E}" type="datetime1">
               <a:rPr lang="fr-FR" smtClean="0"/>
-              <a:t>08/11/2014</a:t>
+              <a:t>09/11/2014</a:t>
             </a:fld>
             <a:endParaRPr lang="fr-BE"/>
           </a:p>
@@ -3285,7 +3301,7 @@
           <a:p>
             <a:fld id="{D608CD19-1910-41F7-8245-F7470F6E1383}" type="datetime1">
               <a:rPr lang="fr-FR" smtClean="0"/>
-              <a:t>08/11/2014</a:t>
+              <a:t>09/11/2014</a:t>
             </a:fld>
             <a:endParaRPr lang="fr-BE"/>
           </a:p>
@@ -3612,7 +3628,7 @@
           <a:p>
             <a:fld id="{7190A14E-EF9B-4CBE-823E-242043F2BEDD}" type="datetime1">
               <a:rPr lang="fr-FR" smtClean="0"/>
-              <a:t>08/11/2014</a:t>
+              <a:t>09/11/2014</a:t>
             </a:fld>
             <a:endParaRPr lang="fr-BE"/>
           </a:p>
@@ -3706,7 +3722,7 @@
           <a:p>
             <a:fld id="{FDEF3CCC-AA6E-442B-A822-CBF1E9CACBC1}" type="datetime1">
               <a:rPr lang="fr-FR" smtClean="0"/>
-              <a:t>08/11/2014</a:t>
+              <a:t>09/11/2014</a:t>
             </a:fld>
             <a:endParaRPr lang="fr-BE"/>
           </a:p>
@@ -4227,7 +4243,7 @@
           <a:p>
             <a:fld id="{3DEF1607-D0ED-49B5-A570-F02CBA97EA14}" type="datetime1">
               <a:rPr lang="fr-FR" smtClean="0"/>
-              <a:t>08/11/2014</a:t>
+              <a:t>09/11/2014</a:t>
             </a:fld>
             <a:endParaRPr lang="fr-BE"/>
           </a:p>
@@ -4742,7 +4758,7 @@
           <a:p>
             <a:fld id="{9AF746A8-A55B-4235-9FAD-DEC57835D861}" type="datetime1">
               <a:rPr lang="fr-FR" smtClean="0"/>
-              <a:t>08/11/2014</a:t>
+              <a:t>09/11/2014</a:t>
             </a:fld>
             <a:endParaRPr lang="fr-BE"/>
           </a:p>
@@ -4991,7 +5007,7 @@
           <a:p>
             <a:fld id="{5B7C2BEF-2B2F-41D0-A7D2-CEB801801DC2}" type="datetime1">
               <a:rPr lang="fr-FR" smtClean="0"/>
-              <a:t>08/11/2014</a:t>
+              <a:t>09/11/2014</a:t>
             </a:fld>
             <a:endParaRPr lang="fr-BE"/>
           </a:p>
@@ -6002,8 +6018,8 @@
         </p:nvSpPr>
         <p:spPr>
           <a:xfrm>
-            <a:off x="0" y="6488668"/>
-            <a:ext cx="1877437" cy="369332"/>
+            <a:off x="5015932" y="6505599"/>
+            <a:ext cx="1428276" cy="307777"/>
           </a:xfrm>
           <a:prstGeom prst="rect">
             <a:avLst/>
@@ -6016,7 +6032,9 @@
           <a:lstStyle/>
           <a:p>
             <a:r>
-              <a:rPr lang="fr-FR" dirty="0"/>
+              <a:rPr lang="fr-FR" sz="1400" dirty="0">
+                <a:latin typeface="Calibri" panose="020F0502020204030204" pitchFamily="34" charset="0"/>
+              </a:rPr>
               <a:t>http://xkcd.com/</a:t>
             </a:r>
           </a:p>
@@ -6042,6 +6060,124 @@
 </p:sld>
 </file>
 
+<file path=ppt/slides/slide10.xml><?xml version="1.0" encoding="utf-8"?>
+<p:sld xmlns:a="http://schemas.openxmlformats.org/drawingml/2006/main" xmlns:r="http://schemas.openxmlformats.org/officeDocument/2006/relationships" xmlns:p="http://schemas.openxmlformats.org/presentationml/2006/main">
+  <p:cSld>
+    <p:spTree>
+      <p:nvGrpSpPr>
+        <p:cNvPr id="1" name=""/>
+        <p:cNvGrpSpPr/>
+        <p:nvPr/>
+      </p:nvGrpSpPr>
+      <p:grpSpPr>
+        <a:xfrm>
+          <a:off x="0" y="0"/>
+          <a:ext cx="0" cy="0"/>
+          <a:chOff x="0" y="0"/>
+          <a:chExt cx="0" cy="0"/>
+        </a:xfrm>
+      </p:grpSpPr>
+      <p:sp>
+        <p:nvSpPr>
+          <p:cNvPr id="2" name="Titre 1"/>
+          <p:cNvSpPr>
+            <a:spLocks noGrp="1"/>
+          </p:cNvSpPr>
+          <p:nvPr>
+            <p:ph type="title"/>
+          </p:nvPr>
+        </p:nvSpPr>
+        <p:spPr/>
+        <p:txBody>
+          <a:bodyPr/>
+          <a:lstStyle/>
+          <a:p>
+            <a:r>
+              <a:rPr lang="fr-FR" smtClean="0"/>
+              <a:t>Instruction Itératives</a:t>
+            </a:r>
+            <a:endParaRPr lang="fr-FR"/>
+          </a:p>
+        </p:txBody>
+      </p:sp>
+      <p:sp>
+        <p:nvSpPr>
+          <p:cNvPr id="3" name="Espace réservé du contenu 2"/>
+          <p:cNvSpPr>
+            <a:spLocks noGrp="1"/>
+          </p:cNvSpPr>
+          <p:nvPr>
+            <p:ph sz="quarter" idx="1"/>
+          </p:nvPr>
+        </p:nvSpPr>
+        <p:spPr/>
+        <p:txBody>
+          <a:bodyPr/>
+          <a:lstStyle/>
+          <a:p>
+            <a:endParaRPr lang="fr-FR"/>
+          </a:p>
+        </p:txBody>
+      </p:sp>
+      <p:sp>
+        <p:nvSpPr>
+          <p:cNvPr id="4" name="Espace réservé du numéro de diapositive 3"/>
+          <p:cNvSpPr>
+            <a:spLocks noGrp="1"/>
+          </p:cNvSpPr>
+          <p:nvPr>
+            <p:ph type="sldNum" sz="quarter" idx="15"/>
+          </p:nvPr>
+        </p:nvSpPr>
+        <p:spPr/>
+        <p:txBody>
+          <a:bodyPr/>
+          <a:lstStyle/>
+          <a:p>
+            <a:fld id="{CF4668DC-857F-487D-BFFA-8C0CA5037977}" type="slidenum">
+              <a:rPr lang="fr-BE" smtClean="0"/>
+              <a:t>10</a:t>
+            </a:fld>
+            <a:endParaRPr lang="fr-BE"/>
+          </a:p>
+        </p:txBody>
+      </p:sp>
+      <p:sp>
+        <p:nvSpPr>
+          <p:cNvPr id="5" name="Espace réservé du pied de page 4"/>
+          <p:cNvSpPr>
+            <a:spLocks noGrp="1"/>
+          </p:cNvSpPr>
+          <p:nvPr>
+            <p:ph type="ftr" sz="quarter" idx="16"/>
+          </p:nvPr>
+        </p:nvSpPr>
+        <p:spPr/>
+        <p:txBody>
+          <a:bodyPr/>
+          <a:lstStyle/>
+          <a:p>
+            <a:r>
+              <a:rPr lang="fr-BE" smtClean="0"/>
+              <a:t>Xavier Pessoles - PTSI - Rouvière</a:t>
+            </a:r>
+            <a:endParaRPr lang="fr-BE"/>
+          </a:p>
+        </p:txBody>
+      </p:sp>
+    </p:spTree>
+    <p:extLst>
+      <p:ext uri="{BB962C8B-B14F-4D97-AF65-F5344CB8AC3E}">
+        <p14:creationId xmlns:p14="http://schemas.microsoft.com/office/powerpoint/2010/main" val="718704463"/>
+      </p:ext>
+    </p:extLst>
+  </p:cSld>
+  <p:clrMapOvr>
+    <a:masterClrMapping/>
+  </p:clrMapOvr>
+</p:sld>
+</file>
+
 <file path=ppt/slides/slide2.xml><?xml version="1.0" encoding="utf-8"?>
 <p:sld xmlns:a="http://schemas.openxmlformats.org/drawingml/2006/main" xmlns:r="http://schemas.openxmlformats.org/officeDocument/2006/relationships" xmlns:p="http://schemas.openxmlformats.org/presentationml/2006/main">
   <p:cSld>
@@ -6071,42 +6207,14 @@
         </p:nvSpPr>
         <p:spPr/>
         <p:txBody>
-          <a:bodyPr>
-            <a:normAutofit fontScale="90000"/>
-          </a:bodyPr>
+          <a:bodyPr/>
           <a:lstStyle/>
           <a:p>
             <a:r>
               <a:rPr lang="fr-FR" dirty="0" smtClean="0"/>
-              <a:t>Généralités</a:t>
-            </a:r>
-            <a:br>
-              <a:rPr lang="fr-FR" dirty="0" smtClean="0"/>
-            </a:br>
-            <a:r>
-              <a:rPr lang="fr-FR" dirty="0" smtClean="0"/>
-              <a:t>Logique Binaire</a:t>
+              <a:t>Introduction</a:t>
             </a:r>
             <a:endParaRPr lang="fr-FR" dirty="0"/>
-          </a:p>
-        </p:txBody>
-      </p:sp>
-      <p:sp>
-        <p:nvSpPr>
-          <p:cNvPr id="3" name="Espace réservé du contenu 2"/>
-          <p:cNvSpPr>
-            <a:spLocks noGrp="1"/>
-          </p:cNvSpPr>
-          <p:nvPr>
-            <p:ph sz="quarter" idx="1"/>
-          </p:nvPr>
-        </p:nvSpPr>
-        <p:spPr/>
-        <p:txBody>
-          <a:bodyPr/>
-          <a:lstStyle/>
-          <a:p>
-            <a:endParaRPr lang="fr-FR"/>
           </a:p>
         </p:txBody>
       </p:sp>
@@ -6135,7 +6243,7 @@
       </p:sp>
       <p:pic>
         <p:nvPicPr>
-          <p:cNvPr id="5" name="Picture 3"/>
+          <p:cNvPr id="1026" name="Picture 2"/>
           <p:cNvPicPr>
             <a:picLocks noChangeAspect="1" noChangeArrowheads="1"/>
           </p:cNvPicPr>
@@ -6156,8 +6264,8 @@
         </p:blipFill>
         <p:spPr bwMode="auto">
           <a:xfrm>
-            <a:off x="251520" y="1469951"/>
-            <a:ext cx="8424936" cy="1011283"/>
+            <a:off x="4788024" y="908720"/>
+            <a:ext cx="3881438" cy="2928938"/>
           </a:xfrm>
           <a:prstGeom prst="rect">
             <a:avLst/>
@@ -6189,11 +6297,13 @@
       </p:pic>
       <p:pic>
         <p:nvPicPr>
-          <p:cNvPr id="6" name="Picture 4"/>
+          <p:cNvPr id="1027" name="Picture 3"/>
           <p:cNvPicPr>
-            <a:picLocks noChangeAspect="1" noChangeArrowheads="1"/>
+            <a:picLocks noGrp="1" noChangeAspect="1" noChangeArrowheads="1"/>
           </p:cNvPicPr>
-          <p:nvPr/>
+          <p:nvPr>
+            <p:ph sz="quarter" idx="1"/>
+          </p:nvPr>
         </p:nvPicPr>
         <p:blipFill>
           <a:blip r:embed="rId3">
@@ -6210,8 +6320,8 @@
         </p:blipFill>
         <p:spPr bwMode="auto">
           <a:xfrm>
-            <a:off x="251520" y="2564904"/>
-            <a:ext cx="8424936" cy="3162440"/>
+            <a:off x="179512" y="1196752"/>
+            <a:ext cx="4896544" cy="2372028"/>
           </a:xfrm>
           <a:prstGeom prst="rect">
             <a:avLst/>
@@ -6241,9 +6351,1656 @@
           </a:extLst>
         </p:spPr>
       </p:pic>
-      <p:sp>
-        <p:nvSpPr>
-          <p:cNvPr id="7" name="Espace réservé du pied de page 6"/>
+      <mc:AlternateContent xmlns:mc="http://schemas.openxmlformats.org/markup-compatibility/2006">
+        <mc:Choice xmlns:a14="http://schemas.microsoft.com/office/drawing/2010/main" Requires="a14">
+          <p:sp>
+            <p:nvSpPr>
+              <p:cNvPr id="9" name="Espace réservé du contenu 2"/>
+              <p:cNvSpPr txBox="1">
+                <a:spLocks/>
+              </p:cNvSpPr>
+              <p:nvPr/>
+            </p:nvSpPr>
+            <p:spPr>
+              <a:xfrm>
+                <a:off x="457200" y="3837658"/>
+                <a:ext cx="7467600" cy="2636294"/>
+              </a:xfrm>
+              <a:prstGeom prst="rect">
+                <a:avLst/>
+              </a:prstGeom>
+            </p:spPr>
+            <p:txBody>
+              <a:bodyPr vert="horz">
+                <a:normAutofit fontScale="85000" lnSpcReduction="10000"/>
+              </a:bodyPr>
+              <a:lstStyle>
+                <a:lvl1pPr marL="274320" indent="-274320" algn="l" rtl="0" eaLnBrk="1" latinLnBrk="0" hangingPunct="1">
+                  <a:spcBef>
+                    <a:spcPts val="600"/>
+                  </a:spcBef>
+                  <a:buClr>
+                    <a:schemeClr val="accent1"/>
+                  </a:buClr>
+                  <a:buSzPct val="70000"/>
+                  <a:buFont typeface="Wingdings"/>
+                  <a:buChar char=""/>
+                  <a:defRPr kumimoji="0" sz="2400" kern="1200">
+                    <a:solidFill>
+                      <a:schemeClr val="tx1"/>
+                    </a:solidFill>
+                    <a:latin typeface="Calibri" panose="020F0502020204030204" pitchFamily="34" charset="0"/>
+                    <a:ea typeface="+mn-ea"/>
+                    <a:cs typeface="+mn-cs"/>
+                  </a:defRPr>
+                </a:lvl1pPr>
+                <a:lvl2pPr marL="640080" indent="-274320" algn="l" rtl="0" eaLnBrk="1" latinLnBrk="0" hangingPunct="1">
+                  <a:spcBef>
+                    <a:spcPct val="20000"/>
+                  </a:spcBef>
+                  <a:buClr>
+                    <a:schemeClr val="accent1"/>
+                  </a:buClr>
+                  <a:buSzPct val="80000"/>
+                  <a:buFont typeface="Wingdings 2"/>
+                  <a:buChar char=""/>
+                  <a:defRPr kumimoji="0" sz="2100" kern="1200">
+                    <a:solidFill>
+                      <a:schemeClr val="tx1"/>
+                    </a:solidFill>
+                    <a:latin typeface="Calibri" panose="020F0502020204030204" pitchFamily="34" charset="0"/>
+                    <a:ea typeface="+mn-ea"/>
+                    <a:cs typeface="+mn-cs"/>
+                  </a:defRPr>
+                </a:lvl2pPr>
+                <a:lvl3pPr marL="914400" indent="-182880" algn="l" rtl="0" eaLnBrk="1" latinLnBrk="0" hangingPunct="1">
+                  <a:spcBef>
+                    <a:spcPct val="20000"/>
+                  </a:spcBef>
+                  <a:buClr>
+                    <a:schemeClr val="accent1">
+                      <a:shade val="75000"/>
+                    </a:schemeClr>
+                  </a:buClr>
+                  <a:buSzPct val="60000"/>
+                  <a:buFont typeface="Wingdings"/>
+                  <a:buChar char=""/>
+                  <a:defRPr kumimoji="0" sz="1800" kern="1200">
+                    <a:solidFill>
+                      <a:schemeClr val="tx1"/>
+                    </a:solidFill>
+                    <a:latin typeface="Calibri" panose="020F0502020204030204" pitchFamily="34" charset="0"/>
+                    <a:ea typeface="+mn-ea"/>
+                    <a:cs typeface="+mn-cs"/>
+                  </a:defRPr>
+                </a:lvl3pPr>
+                <a:lvl4pPr marL="1188720" indent="-182880" algn="l" rtl="0" eaLnBrk="1" latinLnBrk="0" hangingPunct="1">
+                  <a:spcBef>
+                    <a:spcPct val="20000"/>
+                  </a:spcBef>
+                  <a:buClr>
+                    <a:schemeClr val="accent1">
+                      <a:tint val="60000"/>
+                    </a:schemeClr>
+                  </a:buClr>
+                  <a:buSzPct val="60000"/>
+                  <a:buFont typeface="Wingdings"/>
+                  <a:buChar char=""/>
+                  <a:defRPr kumimoji="0" sz="1800" kern="1200">
+                    <a:solidFill>
+                      <a:schemeClr val="tx1"/>
+                    </a:solidFill>
+                    <a:latin typeface="Calibri" panose="020F0502020204030204" pitchFamily="34" charset="0"/>
+                    <a:ea typeface="+mn-ea"/>
+                    <a:cs typeface="+mn-cs"/>
+                  </a:defRPr>
+                </a:lvl4pPr>
+                <a:lvl5pPr marL="1463040" indent="-182880" algn="l" rtl="0" eaLnBrk="1" latinLnBrk="0" hangingPunct="1">
+                  <a:spcBef>
+                    <a:spcPct val="20000"/>
+                  </a:spcBef>
+                  <a:buClr>
+                    <a:schemeClr val="accent2">
+                      <a:tint val="60000"/>
+                    </a:schemeClr>
+                  </a:buClr>
+                  <a:buSzPct val="68000"/>
+                  <a:buFont typeface="Wingdings 2"/>
+                  <a:buChar char=""/>
+                  <a:defRPr kumimoji="0" sz="1600" kern="1200">
+                    <a:solidFill>
+                      <a:schemeClr val="tx1"/>
+                    </a:solidFill>
+                    <a:latin typeface="Calibri" panose="020F0502020204030204" pitchFamily="34" charset="0"/>
+                    <a:ea typeface="+mn-ea"/>
+                    <a:cs typeface="+mn-cs"/>
+                  </a:defRPr>
+                </a:lvl5pPr>
+                <a:lvl6pPr marL="1737360" indent="-182880" algn="l" rtl="0" eaLnBrk="1" latinLnBrk="0" hangingPunct="1">
+                  <a:spcBef>
+                    <a:spcPct val="20000"/>
+                  </a:spcBef>
+                  <a:buClr>
+                    <a:schemeClr val="accent1"/>
+                  </a:buClr>
+                  <a:buChar char="•"/>
+                  <a:defRPr kumimoji="0" sz="1600" kern="1200">
+                    <a:solidFill>
+                      <a:schemeClr val="tx2"/>
+                    </a:solidFill>
+                    <a:latin typeface="+mn-lt"/>
+                    <a:ea typeface="+mn-ea"/>
+                    <a:cs typeface="+mn-cs"/>
+                  </a:defRPr>
+                </a:lvl6pPr>
+                <a:lvl7pPr marL="2011680" indent="-182880" algn="l" rtl="0" eaLnBrk="1" latinLnBrk="0" hangingPunct="1">
+                  <a:spcBef>
+                    <a:spcPct val="20000"/>
+                  </a:spcBef>
+                  <a:buClr>
+                    <a:schemeClr val="accent1">
+                      <a:tint val="60000"/>
+                    </a:schemeClr>
+                  </a:buClr>
+                  <a:buSzPct val="60000"/>
+                  <a:buFont typeface="Wingdings"/>
+                  <a:buChar char=""/>
+                  <a:defRPr kumimoji="0" sz="1400" kern="1200" baseline="0">
+                    <a:solidFill>
+                      <a:schemeClr val="tx2"/>
+                    </a:solidFill>
+                    <a:latin typeface="+mn-lt"/>
+                    <a:ea typeface="+mn-ea"/>
+                    <a:cs typeface="+mn-cs"/>
+                  </a:defRPr>
+                </a:lvl7pPr>
+                <a:lvl8pPr marL="2286000" indent="-182880" algn="l" rtl="0" eaLnBrk="1" latinLnBrk="0" hangingPunct="1">
+                  <a:spcBef>
+                    <a:spcPct val="20000"/>
+                  </a:spcBef>
+                  <a:buClr>
+                    <a:schemeClr val="accent2"/>
+                  </a:buClr>
+                  <a:buChar char="•"/>
+                  <a:defRPr kumimoji="0" sz="1400" kern="1200" cap="small" baseline="0">
+                    <a:solidFill>
+                      <a:schemeClr val="tx2"/>
+                    </a:solidFill>
+                    <a:latin typeface="+mn-lt"/>
+                    <a:ea typeface="+mn-ea"/>
+                    <a:cs typeface="+mn-cs"/>
+                  </a:defRPr>
+                </a:lvl8pPr>
+                <a:lvl9pPr marL="2560320" indent="-182880" algn="l" rtl="0" eaLnBrk="1" latinLnBrk="0" hangingPunct="1">
+                  <a:spcBef>
+                    <a:spcPct val="20000"/>
+                  </a:spcBef>
+                  <a:buClr>
+                    <a:schemeClr val="accent1">
+                      <a:shade val="75000"/>
+                    </a:schemeClr>
+                  </a:buClr>
+                  <a:buChar char="•"/>
+                  <a:defRPr kumimoji="0" sz="1400" kern="1200" baseline="0">
+                    <a:solidFill>
+                      <a:schemeClr val="tx2"/>
+                    </a:solidFill>
+                    <a:latin typeface="+mn-lt"/>
+                    <a:ea typeface="+mn-ea"/>
+                    <a:cs typeface="+mn-cs"/>
+                  </a:defRPr>
+                </a:lvl9pPr>
+              </a:lstStyle>
+              <a:p>
+                <a:r>
+                  <a:rPr lang="fr-FR" dirty="0" smtClean="0"/>
+                  <a:t>Pour </a:t>
+                </a:r>
+                <a14:m>
+                  <m:oMath xmlns:m="http://schemas.openxmlformats.org/officeDocument/2006/math">
+                    <m:r>
+                      <a:rPr lang="fr-FR" i="1" dirty="0" smtClean="0">
+                        <a:latin typeface="Cambria Math"/>
+                      </a:rPr>
+                      <m:t>𝑛</m:t>
+                    </m:r>
+                    <m:r>
+                      <a:rPr lang="fr-FR" i="1" dirty="0" smtClean="0">
+                        <a:latin typeface="Cambria Math"/>
+                      </a:rPr>
+                      <m:t>=3</m:t>
+                    </m:r>
+                  </m:oMath>
+                </a14:m>
+                <a:r>
+                  <a:rPr lang="fr-FR" dirty="0" smtClean="0"/>
+                  <a:t>:</a:t>
+                </a:r>
+              </a:p>
+              <a:p>
+                <a:pPr lvl="1"/>
+                <a14:m>
+                  <m:oMath xmlns:m="http://schemas.openxmlformats.org/officeDocument/2006/math">
+                    <m:d>
+                      <m:dPr>
+                        <m:ctrlPr>
+                          <a:rPr lang="fr-FR" i="1" smtClean="0">
+                            <a:latin typeface="Cambria Math"/>
+                          </a:rPr>
+                        </m:ctrlPr>
+                      </m:dPr>
+                      <m:e>
+                        <m:m>
+                          <m:mPr>
+                            <m:mcs>
+                              <m:mc>
+                                <m:mcPr>
+                                  <m:count m:val="1"/>
+                                  <m:mcJc m:val="center"/>
+                                </m:mcPr>
+                              </m:mc>
+                            </m:mcs>
+                            <m:ctrlPr>
+                              <a:rPr lang="fr-FR" i="1" smtClean="0">
+                                <a:latin typeface="Cambria Math"/>
+                              </a:rPr>
+                            </m:ctrlPr>
+                          </m:mPr>
+                          <m:mr>
+                            <m:e>
+                              <m:r>
+                                <m:rPr>
+                                  <m:brk m:alnAt="7"/>
+                                </m:rPr>
+                                <a:rPr lang="fr-FR" b="0" i="1" smtClean="0">
+                                  <a:latin typeface="Cambria Math"/>
+                                </a:rPr>
+                                <m:t>3</m:t>
+                              </m:r>
+                            </m:e>
+                          </m:mr>
+                          <m:mr>
+                            <m:e>
+                              <m:r>
+                                <a:rPr lang="fr-FR" b="0" i="1" smtClean="0">
+                                  <a:latin typeface="Cambria Math"/>
+                                </a:rPr>
+                                <m:t>0</m:t>
+                              </m:r>
+                            </m:e>
+                          </m:mr>
+                        </m:m>
+                      </m:e>
+                    </m:d>
+                    <m:r>
+                      <a:rPr lang="fr-FR" b="0" i="1" smtClean="0">
+                        <a:latin typeface="Cambria Math"/>
+                      </a:rPr>
+                      <m:t>=1</m:t>
+                    </m:r>
+                  </m:oMath>
+                </a14:m>
+                <a:r>
+                  <a:rPr lang="fr-FR" dirty="0"/>
+                  <a:t> , </a:t>
+                </a:r>
+                <a14:m>
+                  <m:oMath xmlns:m="http://schemas.openxmlformats.org/officeDocument/2006/math">
+                    <m:d>
+                      <m:dPr>
+                        <m:ctrlPr>
+                          <a:rPr lang="fr-FR" i="1">
+                            <a:latin typeface="Cambria Math"/>
+                          </a:rPr>
+                        </m:ctrlPr>
+                      </m:dPr>
+                      <m:e>
+                        <m:m>
+                          <m:mPr>
+                            <m:mcs>
+                              <m:mc>
+                                <m:mcPr>
+                                  <m:count m:val="1"/>
+                                  <m:mcJc m:val="center"/>
+                                </m:mcPr>
+                              </m:mc>
+                            </m:mcs>
+                            <m:ctrlPr>
+                              <a:rPr lang="fr-FR" i="1">
+                                <a:latin typeface="Cambria Math"/>
+                              </a:rPr>
+                            </m:ctrlPr>
+                          </m:mPr>
+                          <m:mr>
+                            <m:e>
+                              <m:r>
+                                <m:rPr>
+                                  <m:brk m:alnAt="7"/>
+                                </m:rPr>
+                                <a:rPr lang="fr-FR" i="1">
+                                  <a:latin typeface="Cambria Math"/>
+                                </a:rPr>
+                                <m:t>3</m:t>
+                              </m:r>
+                            </m:e>
+                          </m:mr>
+                          <m:mr>
+                            <m:e>
+                              <m:r>
+                                <a:rPr lang="fr-FR" i="1">
+                                  <a:latin typeface="Cambria Math"/>
+                                </a:rPr>
+                                <m:t>1</m:t>
+                              </m:r>
+                            </m:e>
+                          </m:mr>
+                        </m:m>
+                      </m:e>
+                    </m:d>
+                    <m:r>
+                      <a:rPr lang="fr-FR" i="1">
+                        <a:latin typeface="Cambria Math"/>
+                      </a:rPr>
+                      <m:t>=</m:t>
+                    </m:r>
+                    <m:r>
+                      <a:rPr lang="fr-FR" b="0" i="1" smtClean="0">
+                        <a:latin typeface="Cambria Math"/>
+                      </a:rPr>
+                      <m:t>3</m:t>
+                    </m:r>
+                  </m:oMath>
+                </a14:m>
+                <a:r>
+                  <a:rPr lang="fr-FR" dirty="0"/>
+                  <a:t> , </a:t>
+                </a:r>
+                <a14:m>
+                  <m:oMath xmlns:m="http://schemas.openxmlformats.org/officeDocument/2006/math">
+                    <m:d>
+                      <m:dPr>
+                        <m:ctrlPr>
+                          <a:rPr lang="fr-FR" i="1">
+                            <a:latin typeface="Cambria Math"/>
+                          </a:rPr>
+                        </m:ctrlPr>
+                      </m:dPr>
+                      <m:e>
+                        <m:m>
+                          <m:mPr>
+                            <m:mcs>
+                              <m:mc>
+                                <m:mcPr>
+                                  <m:count m:val="1"/>
+                                  <m:mcJc m:val="center"/>
+                                </m:mcPr>
+                              </m:mc>
+                            </m:mcs>
+                            <m:ctrlPr>
+                              <a:rPr lang="fr-FR" i="1">
+                                <a:latin typeface="Cambria Math"/>
+                              </a:rPr>
+                            </m:ctrlPr>
+                          </m:mPr>
+                          <m:mr>
+                            <m:e>
+                              <m:r>
+                                <m:rPr>
+                                  <m:brk m:alnAt="7"/>
+                                </m:rPr>
+                                <a:rPr lang="fr-FR" i="1">
+                                  <a:latin typeface="Cambria Math"/>
+                                </a:rPr>
+                                <m:t>3</m:t>
+                              </m:r>
+                            </m:e>
+                          </m:mr>
+                          <m:mr>
+                            <m:e>
+                              <m:r>
+                                <a:rPr lang="fr-FR" b="0" i="1" smtClean="0">
+                                  <a:latin typeface="Cambria Math"/>
+                                </a:rPr>
+                                <m:t>2</m:t>
+                              </m:r>
+                            </m:e>
+                          </m:mr>
+                        </m:m>
+                      </m:e>
+                    </m:d>
+                    <m:r>
+                      <a:rPr lang="fr-FR" i="1">
+                        <a:latin typeface="Cambria Math"/>
+                      </a:rPr>
+                      <m:t>=</m:t>
+                    </m:r>
+                    <m:r>
+                      <a:rPr lang="fr-FR" b="0" i="1" smtClean="0">
+                        <a:latin typeface="Cambria Math"/>
+                      </a:rPr>
+                      <m:t>3</m:t>
+                    </m:r>
+                  </m:oMath>
+                </a14:m>
+                <a:r>
+                  <a:rPr lang="fr-FR" dirty="0"/>
+                  <a:t> , </a:t>
+                </a:r>
+                <a14:m>
+                  <m:oMath xmlns:m="http://schemas.openxmlformats.org/officeDocument/2006/math">
+                    <m:d>
+                      <m:dPr>
+                        <m:ctrlPr>
+                          <a:rPr lang="fr-FR" i="1">
+                            <a:latin typeface="Cambria Math"/>
+                          </a:rPr>
+                        </m:ctrlPr>
+                      </m:dPr>
+                      <m:e>
+                        <m:m>
+                          <m:mPr>
+                            <m:mcs>
+                              <m:mc>
+                                <m:mcPr>
+                                  <m:count m:val="1"/>
+                                  <m:mcJc m:val="center"/>
+                                </m:mcPr>
+                              </m:mc>
+                            </m:mcs>
+                            <m:ctrlPr>
+                              <a:rPr lang="fr-FR" i="1">
+                                <a:latin typeface="Cambria Math"/>
+                              </a:rPr>
+                            </m:ctrlPr>
+                          </m:mPr>
+                          <m:mr>
+                            <m:e>
+                              <m:r>
+                                <m:rPr>
+                                  <m:brk m:alnAt="7"/>
+                                </m:rPr>
+                                <a:rPr lang="fr-FR" i="1">
+                                  <a:latin typeface="Cambria Math"/>
+                                </a:rPr>
+                                <m:t>3</m:t>
+                              </m:r>
+                            </m:e>
+                          </m:mr>
+                          <m:mr>
+                            <m:e>
+                              <m:r>
+                                <a:rPr lang="fr-FR" b="0" i="1" smtClean="0">
+                                  <a:latin typeface="Cambria Math"/>
+                                </a:rPr>
+                                <m:t>3</m:t>
+                              </m:r>
+                            </m:e>
+                          </m:mr>
+                        </m:m>
+                      </m:e>
+                    </m:d>
+                    <m:r>
+                      <a:rPr lang="fr-FR" i="1">
+                        <a:latin typeface="Cambria Math"/>
+                      </a:rPr>
+                      <m:t>=1</m:t>
+                    </m:r>
+                  </m:oMath>
+                </a14:m>
+                <a:endParaRPr lang="fr-FR" dirty="0" smtClean="0"/>
+              </a:p>
+              <a:p>
+                <a:pPr lvl="1"/>
+                <a:endParaRPr lang="fr-FR" dirty="0"/>
+              </a:p>
+              <a:p>
+                <a:pPr lvl="1"/>
+                <a14:m>
+                  <m:oMath xmlns:m="http://schemas.openxmlformats.org/officeDocument/2006/math">
+                    <m:r>
+                      <a:rPr lang="fr-FR" b="0" i="1" smtClean="0">
+                        <a:latin typeface="Cambria Math"/>
+                      </a:rPr>
+                      <m:t>∀</m:t>
+                    </m:r>
+                    <m:r>
+                      <a:rPr lang="fr-FR" b="0" i="1" smtClean="0">
+                        <a:latin typeface="Cambria Math"/>
+                      </a:rPr>
+                      <m:t>𝑢</m:t>
+                    </m:r>
+                    <m:r>
+                      <a:rPr lang="fr-FR" b="0" i="1" smtClean="0">
+                        <a:latin typeface="Cambria Math"/>
+                      </a:rPr>
+                      <m:t>∈</m:t>
+                    </m:r>
+                    <m:d>
+                      <m:dPr>
+                        <m:begChr m:val="["/>
+                        <m:endChr m:val="]"/>
+                        <m:ctrlPr>
+                          <a:rPr lang="fr-FR" b="0" i="1" smtClean="0">
+                            <a:latin typeface="Cambria Math"/>
+                          </a:rPr>
+                        </m:ctrlPr>
+                      </m:dPr>
+                      <m:e>
+                        <m:r>
+                          <a:rPr lang="fr-FR" b="0" i="1" smtClean="0">
+                            <a:latin typeface="Cambria Math"/>
+                          </a:rPr>
+                          <m:t>0,1</m:t>
+                        </m:r>
+                      </m:e>
+                    </m:d>
+                  </m:oMath>
+                </a14:m>
+                <a:endParaRPr lang="fr-FR" b="0" i="1" dirty="0" smtClean="0">
+                  <a:latin typeface="Cambria Math"/>
+                </a:endParaRPr>
+              </a:p>
+              <a:p>
+                <a:pPr lvl="2"/>
+                <a14:m>
+                  <m:oMath xmlns:m="http://schemas.openxmlformats.org/officeDocument/2006/math">
+                    <m:r>
+                      <a:rPr lang="fr-FR" b="0" i="1" smtClean="0">
+                        <a:latin typeface="Cambria Math"/>
+                      </a:rPr>
+                      <m:t>𝑥</m:t>
+                    </m:r>
+                    <m:d>
+                      <m:dPr>
+                        <m:ctrlPr>
+                          <a:rPr lang="fr-FR" b="0" i="1" smtClean="0">
+                            <a:latin typeface="Cambria Math"/>
+                          </a:rPr>
+                        </m:ctrlPr>
+                      </m:dPr>
+                      <m:e>
+                        <m:r>
+                          <a:rPr lang="fr-FR" b="0" i="1" smtClean="0">
+                            <a:latin typeface="Cambria Math"/>
+                          </a:rPr>
+                          <m:t>𝑢</m:t>
+                        </m:r>
+                      </m:e>
+                    </m:d>
+                    <m:r>
+                      <a:rPr lang="fr-FR" b="0" i="1" smtClean="0">
+                        <a:latin typeface="Cambria Math"/>
+                      </a:rPr>
+                      <m:t>=</m:t>
+                    </m:r>
+                    <m:d>
+                      <m:dPr>
+                        <m:ctrlPr>
+                          <a:rPr lang="fr-FR" i="1">
+                            <a:latin typeface="Cambria Math"/>
+                          </a:rPr>
+                        </m:ctrlPr>
+                      </m:dPr>
+                      <m:e>
+                        <m:m>
+                          <m:mPr>
+                            <m:mcs>
+                              <m:mc>
+                                <m:mcPr>
+                                  <m:count m:val="1"/>
+                                  <m:mcJc m:val="center"/>
+                                </m:mcPr>
+                              </m:mc>
+                            </m:mcs>
+                            <m:ctrlPr>
+                              <a:rPr lang="fr-FR" i="1">
+                                <a:latin typeface="Cambria Math"/>
+                              </a:rPr>
+                            </m:ctrlPr>
+                          </m:mPr>
+                          <m:mr>
+                            <m:e>
+                              <m:r>
+                                <m:rPr>
+                                  <m:brk m:alnAt="7"/>
+                                </m:rPr>
+                                <a:rPr lang="fr-FR" i="1">
+                                  <a:latin typeface="Cambria Math"/>
+                                </a:rPr>
+                                <m:t>3</m:t>
+                              </m:r>
+                            </m:e>
+                          </m:mr>
+                          <m:mr>
+                            <m:e>
+                              <m:r>
+                                <a:rPr lang="fr-FR" i="1">
+                                  <a:latin typeface="Cambria Math"/>
+                                </a:rPr>
+                                <m:t>0</m:t>
+                              </m:r>
+                            </m:e>
+                          </m:mr>
+                        </m:m>
+                      </m:e>
+                    </m:d>
+                    <m:sSup>
+                      <m:sSupPr>
+                        <m:ctrlPr>
+                          <a:rPr lang="fr-FR" b="0" i="1" smtClean="0">
+                            <a:latin typeface="Cambria Math"/>
+                          </a:rPr>
+                        </m:ctrlPr>
+                      </m:sSupPr>
+                      <m:e>
+                        <m:r>
+                          <a:rPr lang="fr-FR" b="0" i="1" smtClean="0">
+                            <a:latin typeface="Cambria Math"/>
+                          </a:rPr>
+                          <m:t>𝑢</m:t>
+                        </m:r>
+                      </m:e>
+                      <m:sup>
+                        <m:r>
+                          <a:rPr lang="fr-FR" b="0" i="1" smtClean="0">
+                            <a:latin typeface="Cambria Math"/>
+                          </a:rPr>
+                          <m:t>0</m:t>
+                        </m:r>
+                      </m:sup>
+                    </m:sSup>
+                    <m:acc>
+                      <m:accPr>
+                        <m:chr m:val="̇"/>
+                        <m:ctrlPr>
+                          <a:rPr lang="fr-FR" b="0" i="1" smtClean="0">
+                            <a:latin typeface="Cambria Math"/>
+                          </a:rPr>
+                        </m:ctrlPr>
+                      </m:accPr>
+                      <m:e>
+                        <m:sSup>
+                          <m:sSupPr>
+                            <m:ctrlPr>
+                              <a:rPr lang="fr-FR" b="0" i="1" smtClean="0">
+                                <a:latin typeface="Cambria Math"/>
+                              </a:rPr>
+                            </m:ctrlPr>
+                          </m:sSupPr>
+                          <m:e>
+                            <m:d>
+                              <m:dPr>
+                                <m:ctrlPr>
+                                  <a:rPr lang="fr-FR" b="0" i="1" smtClean="0">
+                                    <a:latin typeface="Cambria Math"/>
+                                  </a:rPr>
+                                </m:ctrlPr>
+                              </m:dPr>
+                              <m:e>
+                                <m:r>
+                                  <a:rPr lang="fr-FR" b="0" i="1" smtClean="0">
+                                    <a:latin typeface="Cambria Math"/>
+                                  </a:rPr>
+                                  <m:t>1−</m:t>
+                                </m:r>
+                                <m:r>
+                                  <a:rPr lang="fr-FR" b="0" i="1" smtClean="0">
+                                    <a:latin typeface="Cambria Math"/>
+                                  </a:rPr>
+                                  <m:t>𝑢</m:t>
+                                </m:r>
+                              </m:e>
+                            </m:d>
+                          </m:e>
+                          <m:sup>
+                            <m:r>
+                              <a:rPr lang="fr-FR" b="0" i="1" smtClean="0">
+                                <a:latin typeface="Cambria Math"/>
+                              </a:rPr>
+                              <m:t>3</m:t>
+                            </m:r>
+                          </m:sup>
+                        </m:sSup>
+                      </m:e>
+                    </m:acc>
+                    <m:r>
+                      <a:rPr lang="fr-FR" b="0" i="1" dirty="0" smtClean="0">
+                        <a:latin typeface="Cambria Math"/>
+                      </a:rPr>
+                      <m:t>⋅</m:t>
+                    </m:r>
+                    <m:sSub>
+                      <m:sSubPr>
+                        <m:ctrlPr>
+                          <a:rPr lang="fr-FR" b="0" i="1" smtClean="0">
+                            <a:latin typeface="Cambria Math"/>
+                          </a:rPr>
+                        </m:ctrlPr>
+                      </m:sSubPr>
+                      <m:e>
+                        <m:r>
+                          <a:rPr lang="fr-FR" b="0" i="1" smtClean="0">
+                            <a:latin typeface="Cambria Math"/>
+                          </a:rPr>
+                          <m:t>𝑥</m:t>
+                        </m:r>
+                      </m:e>
+                      <m:sub>
+                        <m:r>
+                          <a:rPr lang="fr-FR" b="0" i="1" smtClean="0">
+                            <a:latin typeface="Cambria Math"/>
+                          </a:rPr>
+                          <m:t>0</m:t>
+                        </m:r>
+                      </m:sub>
+                    </m:sSub>
+                    <m:r>
+                      <a:rPr lang="fr-FR" b="0" i="1" smtClean="0">
+                        <a:latin typeface="Cambria Math"/>
+                      </a:rPr>
+                      <m:t>+</m:t>
+                    </m:r>
+                    <m:d>
+                      <m:dPr>
+                        <m:ctrlPr>
+                          <a:rPr lang="fr-FR" i="1">
+                            <a:latin typeface="Cambria Math"/>
+                          </a:rPr>
+                        </m:ctrlPr>
+                      </m:dPr>
+                      <m:e>
+                        <m:m>
+                          <m:mPr>
+                            <m:mcs>
+                              <m:mc>
+                                <m:mcPr>
+                                  <m:count m:val="1"/>
+                                  <m:mcJc m:val="center"/>
+                                </m:mcPr>
+                              </m:mc>
+                            </m:mcs>
+                            <m:ctrlPr>
+                              <a:rPr lang="fr-FR" i="1">
+                                <a:latin typeface="Cambria Math"/>
+                              </a:rPr>
+                            </m:ctrlPr>
+                          </m:mPr>
+                          <m:mr>
+                            <m:e>
+                              <m:r>
+                                <m:rPr>
+                                  <m:brk m:alnAt="7"/>
+                                </m:rPr>
+                                <a:rPr lang="fr-FR" i="1">
+                                  <a:latin typeface="Cambria Math"/>
+                                </a:rPr>
+                                <m:t>3</m:t>
+                              </m:r>
+                            </m:e>
+                          </m:mr>
+                          <m:mr>
+                            <m:e>
+                              <m:r>
+                                <a:rPr lang="fr-FR" b="0" i="1" smtClean="0">
+                                  <a:latin typeface="Cambria Math"/>
+                                </a:rPr>
+                                <m:t>1</m:t>
+                              </m:r>
+                            </m:e>
+                          </m:mr>
+                        </m:m>
+                      </m:e>
+                    </m:d>
+                    <m:sSup>
+                      <m:sSupPr>
+                        <m:ctrlPr>
+                          <a:rPr lang="fr-FR" i="1">
+                            <a:latin typeface="Cambria Math"/>
+                          </a:rPr>
+                        </m:ctrlPr>
+                      </m:sSupPr>
+                      <m:e>
+                        <m:r>
+                          <a:rPr lang="fr-FR" i="1">
+                            <a:latin typeface="Cambria Math"/>
+                          </a:rPr>
+                          <m:t>𝑢</m:t>
+                        </m:r>
+                      </m:e>
+                      <m:sup>
+                        <m:r>
+                          <a:rPr lang="fr-FR" b="0" i="1" smtClean="0">
+                            <a:latin typeface="Cambria Math"/>
+                          </a:rPr>
+                          <m:t>1</m:t>
+                        </m:r>
+                      </m:sup>
+                    </m:sSup>
+                    <m:sSup>
+                      <m:sSupPr>
+                        <m:ctrlPr>
+                          <a:rPr lang="fr-FR" i="1">
+                            <a:latin typeface="Cambria Math"/>
+                          </a:rPr>
+                        </m:ctrlPr>
+                      </m:sSupPr>
+                      <m:e>
+                        <m:d>
+                          <m:dPr>
+                            <m:ctrlPr>
+                              <a:rPr lang="fr-FR" i="1">
+                                <a:latin typeface="Cambria Math"/>
+                              </a:rPr>
+                            </m:ctrlPr>
+                          </m:dPr>
+                          <m:e>
+                            <m:r>
+                              <a:rPr lang="fr-FR" i="1">
+                                <a:latin typeface="Cambria Math"/>
+                              </a:rPr>
+                              <m:t>1−</m:t>
+                            </m:r>
+                            <m:r>
+                              <a:rPr lang="fr-FR" i="1">
+                                <a:latin typeface="Cambria Math"/>
+                              </a:rPr>
+                              <m:t>𝑢</m:t>
+                            </m:r>
+                          </m:e>
+                        </m:d>
+                      </m:e>
+                      <m:sup>
+                        <m:r>
+                          <a:rPr lang="fr-FR" b="0" i="1" smtClean="0">
+                            <a:latin typeface="Cambria Math"/>
+                          </a:rPr>
+                          <m:t>2</m:t>
+                        </m:r>
+                      </m:sup>
+                    </m:sSup>
+                    <m:r>
+                      <a:rPr lang="fr-FR" i="1" dirty="0">
+                        <a:latin typeface="Cambria Math"/>
+                      </a:rPr>
+                      <m:t>⋅</m:t>
+                    </m:r>
+                    <m:sSub>
+                      <m:sSubPr>
+                        <m:ctrlPr>
+                          <a:rPr lang="fr-FR" i="1">
+                            <a:latin typeface="Cambria Math"/>
+                          </a:rPr>
+                        </m:ctrlPr>
+                      </m:sSubPr>
+                      <m:e>
+                        <m:r>
+                          <a:rPr lang="fr-FR" i="1">
+                            <a:latin typeface="Cambria Math"/>
+                          </a:rPr>
+                          <m:t>𝑥</m:t>
+                        </m:r>
+                      </m:e>
+                      <m:sub>
+                        <m:r>
+                          <a:rPr lang="fr-FR" b="0" i="1" smtClean="0">
+                            <a:latin typeface="Cambria Math"/>
+                          </a:rPr>
+                          <m:t>1</m:t>
+                        </m:r>
+                      </m:sub>
+                    </m:sSub>
+                    <m:r>
+                      <a:rPr lang="fr-FR" i="1">
+                        <a:latin typeface="Cambria Math"/>
+                      </a:rPr>
+                      <m:t>+</m:t>
+                    </m:r>
+                    <m:d>
+                      <m:dPr>
+                        <m:ctrlPr>
+                          <a:rPr lang="fr-FR" i="1">
+                            <a:latin typeface="Cambria Math"/>
+                          </a:rPr>
+                        </m:ctrlPr>
+                      </m:dPr>
+                      <m:e>
+                        <m:m>
+                          <m:mPr>
+                            <m:mcs>
+                              <m:mc>
+                                <m:mcPr>
+                                  <m:count m:val="1"/>
+                                  <m:mcJc m:val="center"/>
+                                </m:mcPr>
+                              </m:mc>
+                            </m:mcs>
+                            <m:ctrlPr>
+                              <a:rPr lang="fr-FR" i="1">
+                                <a:latin typeface="Cambria Math"/>
+                              </a:rPr>
+                            </m:ctrlPr>
+                          </m:mPr>
+                          <m:mr>
+                            <m:e>
+                              <m:r>
+                                <m:rPr>
+                                  <m:brk m:alnAt="7"/>
+                                </m:rPr>
+                                <a:rPr lang="fr-FR" i="1">
+                                  <a:latin typeface="Cambria Math"/>
+                                </a:rPr>
+                                <m:t>3</m:t>
+                              </m:r>
+                            </m:e>
+                          </m:mr>
+                          <m:mr>
+                            <m:e>
+                              <m:r>
+                                <a:rPr lang="fr-FR" b="0" i="1" smtClean="0">
+                                  <a:latin typeface="Cambria Math"/>
+                                </a:rPr>
+                                <m:t>2</m:t>
+                              </m:r>
+                            </m:e>
+                          </m:mr>
+                        </m:m>
+                      </m:e>
+                    </m:d>
+                    <m:sSup>
+                      <m:sSupPr>
+                        <m:ctrlPr>
+                          <a:rPr lang="fr-FR" i="1">
+                            <a:latin typeface="Cambria Math"/>
+                          </a:rPr>
+                        </m:ctrlPr>
+                      </m:sSupPr>
+                      <m:e>
+                        <m:r>
+                          <a:rPr lang="fr-FR" i="1">
+                            <a:latin typeface="Cambria Math"/>
+                          </a:rPr>
+                          <m:t>𝑢</m:t>
+                        </m:r>
+                      </m:e>
+                      <m:sup>
+                        <m:r>
+                          <a:rPr lang="fr-FR" b="0" i="1" smtClean="0">
+                            <a:latin typeface="Cambria Math"/>
+                          </a:rPr>
+                          <m:t>2</m:t>
+                        </m:r>
+                      </m:sup>
+                    </m:sSup>
+                    <m:sSup>
+                      <m:sSupPr>
+                        <m:ctrlPr>
+                          <a:rPr lang="fr-FR" i="1">
+                            <a:latin typeface="Cambria Math"/>
+                          </a:rPr>
+                        </m:ctrlPr>
+                      </m:sSupPr>
+                      <m:e>
+                        <m:d>
+                          <m:dPr>
+                            <m:ctrlPr>
+                              <a:rPr lang="fr-FR" i="1">
+                                <a:latin typeface="Cambria Math"/>
+                              </a:rPr>
+                            </m:ctrlPr>
+                          </m:dPr>
+                          <m:e>
+                            <m:r>
+                              <a:rPr lang="fr-FR" i="1">
+                                <a:latin typeface="Cambria Math"/>
+                              </a:rPr>
+                              <m:t>1−</m:t>
+                            </m:r>
+                            <m:r>
+                              <a:rPr lang="fr-FR" i="1">
+                                <a:latin typeface="Cambria Math"/>
+                              </a:rPr>
+                              <m:t>𝑢</m:t>
+                            </m:r>
+                          </m:e>
+                        </m:d>
+                      </m:e>
+                      <m:sup>
+                        <m:r>
+                          <a:rPr lang="fr-FR" b="0" i="1" smtClean="0">
+                            <a:latin typeface="Cambria Math"/>
+                          </a:rPr>
+                          <m:t>1</m:t>
+                        </m:r>
+                      </m:sup>
+                    </m:sSup>
+                    <m:r>
+                      <a:rPr lang="fr-FR" i="1" dirty="0">
+                        <a:latin typeface="Cambria Math"/>
+                      </a:rPr>
+                      <m:t>⋅</m:t>
+                    </m:r>
+                    <m:sSub>
+                      <m:sSubPr>
+                        <m:ctrlPr>
+                          <a:rPr lang="fr-FR" i="1">
+                            <a:latin typeface="Cambria Math"/>
+                          </a:rPr>
+                        </m:ctrlPr>
+                      </m:sSubPr>
+                      <m:e>
+                        <m:r>
+                          <a:rPr lang="fr-FR" i="1">
+                            <a:latin typeface="Cambria Math"/>
+                          </a:rPr>
+                          <m:t>𝑥</m:t>
+                        </m:r>
+                      </m:e>
+                      <m:sub>
+                        <m:r>
+                          <a:rPr lang="fr-FR" b="0" i="1" smtClean="0">
+                            <a:latin typeface="Cambria Math"/>
+                          </a:rPr>
+                          <m:t>2</m:t>
+                        </m:r>
+                      </m:sub>
+                    </m:sSub>
+                    <m:r>
+                      <a:rPr lang="fr-FR" i="1">
+                        <a:latin typeface="Cambria Math"/>
+                      </a:rPr>
+                      <m:t>+</m:t>
+                    </m:r>
+                    <m:d>
+                      <m:dPr>
+                        <m:ctrlPr>
+                          <a:rPr lang="fr-FR" i="1">
+                            <a:latin typeface="Cambria Math"/>
+                          </a:rPr>
+                        </m:ctrlPr>
+                      </m:dPr>
+                      <m:e>
+                        <m:m>
+                          <m:mPr>
+                            <m:mcs>
+                              <m:mc>
+                                <m:mcPr>
+                                  <m:count m:val="1"/>
+                                  <m:mcJc m:val="center"/>
+                                </m:mcPr>
+                              </m:mc>
+                            </m:mcs>
+                            <m:ctrlPr>
+                              <a:rPr lang="fr-FR" i="1">
+                                <a:latin typeface="Cambria Math"/>
+                              </a:rPr>
+                            </m:ctrlPr>
+                          </m:mPr>
+                          <m:mr>
+                            <m:e>
+                              <m:r>
+                                <m:rPr>
+                                  <m:brk m:alnAt="7"/>
+                                </m:rPr>
+                                <a:rPr lang="fr-FR" i="1">
+                                  <a:latin typeface="Cambria Math"/>
+                                </a:rPr>
+                                <m:t>3</m:t>
+                              </m:r>
+                            </m:e>
+                          </m:mr>
+                          <m:mr>
+                            <m:e>
+                              <m:r>
+                                <a:rPr lang="fr-FR" i="1">
+                                  <a:latin typeface="Cambria Math"/>
+                                </a:rPr>
+                                <m:t>0</m:t>
+                              </m:r>
+                            </m:e>
+                          </m:mr>
+                        </m:m>
+                      </m:e>
+                    </m:d>
+                    <m:sSup>
+                      <m:sSupPr>
+                        <m:ctrlPr>
+                          <a:rPr lang="fr-FR" i="1">
+                            <a:latin typeface="Cambria Math"/>
+                          </a:rPr>
+                        </m:ctrlPr>
+                      </m:sSupPr>
+                      <m:e>
+                        <m:r>
+                          <a:rPr lang="fr-FR" i="1">
+                            <a:latin typeface="Cambria Math"/>
+                          </a:rPr>
+                          <m:t>𝑢</m:t>
+                        </m:r>
+                      </m:e>
+                      <m:sup>
+                        <m:r>
+                          <a:rPr lang="fr-FR" b="0" i="1" smtClean="0">
+                            <a:latin typeface="Cambria Math"/>
+                          </a:rPr>
+                          <m:t>3</m:t>
+                        </m:r>
+                      </m:sup>
+                    </m:sSup>
+                    <m:sSup>
+                      <m:sSupPr>
+                        <m:ctrlPr>
+                          <a:rPr lang="fr-FR" i="1">
+                            <a:latin typeface="Cambria Math"/>
+                          </a:rPr>
+                        </m:ctrlPr>
+                      </m:sSupPr>
+                      <m:e>
+                        <m:d>
+                          <m:dPr>
+                            <m:ctrlPr>
+                              <a:rPr lang="fr-FR" i="1">
+                                <a:latin typeface="Cambria Math"/>
+                              </a:rPr>
+                            </m:ctrlPr>
+                          </m:dPr>
+                          <m:e>
+                            <m:r>
+                              <a:rPr lang="fr-FR" i="1">
+                                <a:latin typeface="Cambria Math"/>
+                              </a:rPr>
+                              <m:t>1−</m:t>
+                            </m:r>
+                            <m:r>
+                              <a:rPr lang="fr-FR" i="1">
+                                <a:latin typeface="Cambria Math"/>
+                              </a:rPr>
+                              <m:t>𝑢</m:t>
+                            </m:r>
+                          </m:e>
+                        </m:d>
+                      </m:e>
+                      <m:sup>
+                        <m:r>
+                          <a:rPr lang="fr-FR" b="0" i="1" smtClean="0">
+                            <a:latin typeface="Cambria Math"/>
+                          </a:rPr>
+                          <m:t>0</m:t>
+                        </m:r>
+                      </m:sup>
+                    </m:sSup>
+                    <m:r>
+                      <a:rPr lang="fr-FR" i="1" dirty="0">
+                        <a:latin typeface="Cambria Math"/>
+                      </a:rPr>
+                      <m:t>⋅</m:t>
+                    </m:r>
+                    <m:sSub>
+                      <m:sSubPr>
+                        <m:ctrlPr>
+                          <a:rPr lang="fr-FR" i="1">
+                            <a:latin typeface="Cambria Math"/>
+                          </a:rPr>
+                        </m:ctrlPr>
+                      </m:sSubPr>
+                      <m:e>
+                        <m:r>
+                          <a:rPr lang="fr-FR" i="1">
+                            <a:latin typeface="Cambria Math"/>
+                          </a:rPr>
+                          <m:t>𝑥</m:t>
+                        </m:r>
+                      </m:e>
+                      <m:sub>
+                        <m:r>
+                          <a:rPr lang="fr-FR" b="0" i="1" smtClean="0">
+                            <a:latin typeface="Cambria Math"/>
+                          </a:rPr>
+                          <m:t>3</m:t>
+                        </m:r>
+                      </m:sub>
+                    </m:sSub>
+                  </m:oMath>
+                </a14:m>
+                <a:endParaRPr lang="fr-FR" dirty="0" smtClean="0"/>
+              </a:p>
+              <a:p>
+                <a:pPr lvl="2"/>
+                <a14:m>
+                  <m:oMath xmlns:m="http://schemas.openxmlformats.org/officeDocument/2006/math">
+                    <m:r>
+                      <a:rPr lang="fr-FR" i="1">
+                        <a:latin typeface="Cambria Math"/>
+                      </a:rPr>
+                      <m:t>𝑥</m:t>
+                    </m:r>
+                    <m:d>
+                      <m:dPr>
+                        <m:ctrlPr>
+                          <a:rPr lang="fr-FR" i="1">
+                            <a:latin typeface="Cambria Math"/>
+                          </a:rPr>
+                        </m:ctrlPr>
+                      </m:dPr>
+                      <m:e>
+                        <m:r>
+                          <a:rPr lang="fr-FR" i="1">
+                            <a:latin typeface="Cambria Math"/>
+                          </a:rPr>
+                          <m:t>𝑢</m:t>
+                        </m:r>
+                      </m:e>
+                    </m:d>
+                    <m:r>
+                      <a:rPr lang="fr-FR" i="1">
+                        <a:latin typeface="Cambria Math"/>
+                      </a:rPr>
+                      <m:t>=</m:t>
+                    </m:r>
+                    <m:r>
+                      <a:rPr lang="fr-FR" b="0" i="1" smtClean="0">
+                        <a:latin typeface="Cambria Math"/>
+                      </a:rPr>
+                      <m:t>𝑢</m:t>
+                    </m:r>
+                    <m:r>
+                      <a:rPr lang="fr-FR" b="0" i="1" smtClean="0">
+                        <a:latin typeface="Cambria Math"/>
+                      </a:rPr>
+                      <m:t>⋅</m:t>
+                    </m:r>
+                    <m:sSup>
+                      <m:sSupPr>
+                        <m:ctrlPr>
+                          <a:rPr lang="fr-FR" i="1">
+                            <a:latin typeface="Cambria Math"/>
+                          </a:rPr>
+                        </m:ctrlPr>
+                      </m:sSupPr>
+                      <m:e>
+                        <m:d>
+                          <m:dPr>
+                            <m:ctrlPr>
+                              <a:rPr lang="fr-FR" i="1">
+                                <a:latin typeface="Cambria Math"/>
+                              </a:rPr>
+                            </m:ctrlPr>
+                          </m:dPr>
+                          <m:e>
+                            <m:r>
+                              <a:rPr lang="fr-FR" i="1">
+                                <a:latin typeface="Cambria Math"/>
+                              </a:rPr>
+                              <m:t>1−</m:t>
+                            </m:r>
+                            <m:r>
+                              <a:rPr lang="fr-FR" i="1">
+                                <a:latin typeface="Cambria Math"/>
+                              </a:rPr>
+                              <m:t>𝑢</m:t>
+                            </m:r>
+                          </m:e>
+                        </m:d>
+                      </m:e>
+                      <m:sup>
+                        <m:r>
+                          <a:rPr lang="fr-FR" i="1">
+                            <a:latin typeface="Cambria Math"/>
+                          </a:rPr>
+                          <m:t>3</m:t>
+                        </m:r>
+                      </m:sup>
+                    </m:sSup>
+                    <m:r>
+                      <a:rPr lang="fr-FR" i="1" dirty="0">
+                        <a:latin typeface="Cambria Math"/>
+                      </a:rPr>
+                      <m:t>⋅</m:t>
+                    </m:r>
+                    <m:sSub>
+                      <m:sSubPr>
+                        <m:ctrlPr>
+                          <a:rPr lang="fr-FR" i="1">
+                            <a:latin typeface="Cambria Math"/>
+                          </a:rPr>
+                        </m:ctrlPr>
+                      </m:sSubPr>
+                      <m:e>
+                        <m:r>
+                          <a:rPr lang="fr-FR" i="1">
+                            <a:latin typeface="Cambria Math"/>
+                          </a:rPr>
+                          <m:t>𝑥</m:t>
+                        </m:r>
+                      </m:e>
+                      <m:sub>
+                        <m:r>
+                          <a:rPr lang="fr-FR" i="1">
+                            <a:latin typeface="Cambria Math"/>
+                          </a:rPr>
+                          <m:t>0</m:t>
+                        </m:r>
+                      </m:sub>
+                    </m:sSub>
+                    <m:r>
+                      <a:rPr lang="fr-FR" i="1">
+                        <a:latin typeface="Cambria Math"/>
+                      </a:rPr>
+                      <m:t>+</m:t>
+                    </m:r>
+                    <m:r>
+                      <a:rPr lang="fr-FR" b="0" i="1" smtClean="0">
+                        <a:latin typeface="Cambria Math"/>
+                      </a:rPr>
+                      <m:t>3</m:t>
+                    </m:r>
+                    <m:r>
+                      <a:rPr lang="fr-FR" b="0" i="1" smtClean="0">
+                        <a:latin typeface="Cambria Math"/>
+                      </a:rPr>
+                      <m:t>𝑢</m:t>
+                    </m:r>
+                    <m:sSup>
+                      <m:sSupPr>
+                        <m:ctrlPr>
+                          <a:rPr lang="fr-FR" i="1">
+                            <a:latin typeface="Cambria Math"/>
+                          </a:rPr>
+                        </m:ctrlPr>
+                      </m:sSupPr>
+                      <m:e>
+                        <m:d>
+                          <m:dPr>
+                            <m:ctrlPr>
+                              <a:rPr lang="fr-FR" i="1">
+                                <a:latin typeface="Cambria Math"/>
+                              </a:rPr>
+                            </m:ctrlPr>
+                          </m:dPr>
+                          <m:e>
+                            <m:r>
+                              <a:rPr lang="fr-FR" i="1">
+                                <a:latin typeface="Cambria Math"/>
+                              </a:rPr>
+                              <m:t>1−</m:t>
+                            </m:r>
+                            <m:r>
+                              <a:rPr lang="fr-FR" i="1">
+                                <a:latin typeface="Cambria Math"/>
+                              </a:rPr>
+                              <m:t>𝑢</m:t>
+                            </m:r>
+                          </m:e>
+                        </m:d>
+                      </m:e>
+                      <m:sup>
+                        <m:r>
+                          <a:rPr lang="fr-FR" i="1">
+                            <a:latin typeface="Cambria Math"/>
+                          </a:rPr>
+                          <m:t>2</m:t>
+                        </m:r>
+                      </m:sup>
+                    </m:sSup>
+                    <m:r>
+                      <a:rPr lang="fr-FR" i="1" dirty="0">
+                        <a:latin typeface="Cambria Math"/>
+                      </a:rPr>
+                      <m:t>⋅</m:t>
+                    </m:r>
+                    <m:sSub>
+                      <m:sSubPr>
+                        <m:ctrlPr>
+                          <a:rPr lang="fr-FR" i="1">
+                            <a:latin typeface="Cambria Math"/>
+                          </a:rPr>
+                        </m:ctrlPr>
+                      </m:sSubPr>
+                      <m:e>
+                        <m:r>
+                          <a:rPr lang="fr-FR" i="1">
+                            <a:latin typeface="Cambria Math"/>
+                          </a:rPr>
+                          <m:t>𝑥</m:t>
+                        </m:r>
+                      </m:e>
+                      <m:sub>
+                        <m:r>
+                          <a:rPr lang="fr-FR" b="0" i="1" smtClean="0">
+                            <a:latin typeface="Cambria Math"/>
+                          </a:rPr>
+                          <m:t>1</m:t>
+                        </m:r>
+                      </m:sub>
+                    </m:sSub>
+                    <m:r>
+                      <a:rPr lang="fr-FR" i="1">
+                        <a:latin typeface="Cambria Math"/>
+                      </a:rPr>
+                      <m:t>+</m:t>
+                    </m:r>
+                    <m:r>
+                      <a:rPr lang="fr-FR" b="0" i="1" smtClean="0">
+                        <a:latin typeface="Cambria Math"/>
+                      </a:rPr>
+                      <m:t>3</m:t>
+                    </m:r>
+                    <m:sSup>
+                      <m:sSupPr>
+                        <m:ctrlPr>
+                          <a:rPr lang="fr-FR" i="1">
+                            <a:latin typeface="Cambria Math"/>
+                          </a:rPr>
+                        </m:ctrlPr>
+                      </m:sSupPr>
+                      <m:e>
+                        <m:r>
+                          <a:rPr lang="fr-FR" i="1">
+                            <a:latin typeface="Cambria Math"/>
+                          </a:rPr>
+                          <m:t>𝑢</m:t>
+                        </m:r>
+                      </m:e>
+                      <m:sup>
+                        <m:r>
+                          <a:rPr lang="fr-FR" i="1">
+                            <a:latin typeface="Cambria Math"/>
+                          </a:rPr>
+                          <m:t>2</m:t>
+                        </m:r>
+                      </m:sup>
+                    </m:sSup>
+                    <m:d>
+                      <m:dPr>
+                        <m:ctrlPr>
+                          <a:rPr lang="fr-FR" i="1" smtClean="0">
+                            <a:latin typeface="Cambria Math"/>
+                          </a:rPr>
+                        </m:ctrlPr>
+                      </m:dPr>
+                      <m:e>
+                        <m:r>
+                          <a:rPr lang="fr-FR" b="0" i="1" smtClean="0">
+                            <a:latin typeface="Cambria Math"/>
+                          </a:rPr>
+                          <m:t>1−</m:t>
+                        </m:r>
+                        <m:r>
+                          <a:rPr lang="fr-FR" b="0" i="1" smtClean="0">
+                            <a:latin typeface="Cambria Math"/>
+                          </a:rPr>
+                          <m:t>𝑢</m:t>
+                        </m:r>
+                      </m:e>
+                    </m:d>
+                    <m:r>
+                      <a:rPr lang="fr-FR" i="1" dirty="0">
+                        <a:latin typeface="Cambria Math"/>
+                      </a:rPr>
+                      <m:t>⋅</m:t>
+                    </m:r>
+                    <m:sSub>
+                      <m:sSubPr>
+                        <m:ctrlPr>
+                          <a:rPr lang="fr-FR" i="1">
+                            <a:latin typeface="Cambria Math"/>
+                          </a:rPr>
+                        </m:ctrlPr>
+                      </m:sSubPr>
+                      <m:e>
+                        <m:r>
+                          <a:rPr lang="fr-FR" i="1">
+                            <a:latin typeface="Cambria Math"/>
+                          </a:rPr>
+                          <m:t>𝑥</m:t>
+                        </m:r>
+                      </m:e>
+                      <m:sub>
+                        <m:r>
+                          <a:rPr lang="fr-FR" b="0" i="1" smtClean="0">
+                            <a:latin typeface="Cambria Math"/>
+                          </a:rPr>
+                          <m:t>2</m:t>
+                        </m:r>
+                      </m:sub>
+                    </m:sSub>
+                    <m:r>
+                      <a:rPr lang="fr-FR" i="1">
+                        <a:latin typeface="Cambria Math"/>
+                      </a:rPr>
+                      <m:t>+</m:t>
+                    </m:r>
+                    <m:sSup>
+                      <m:sSupPr>
+                        <m:ctrlPr>
+                          <a:rPr lang="fr-FR" i="1">
+                            <a:latin typeface="Cambria Math"/>
+                          </a:rPr>
+                        </m:ctrlPr>
+                      </m:sSupPr>
+                      <m:e>
+                        <m:r>
+                          <a:rPr lang="fr-FR" i="1">
+                            <a:latin typeface="Cambria Math"/>
+                          </a:rPr>
+                          <m:t>𝑢</m:t>
+                        </m:r>
+                      </m:e>
+                      <m:sup>
+                        <m:r>
+                          <a:rPr lang="fr-FR" i="1">
+                            <a:latin typeface="Cambria Math"/>
+                          </a:rPr>
+                          <m:t>3</m:t>
+                        </m:r>
+                      </m:sup>
+                    </m:sSup>
+                    <m:d>
+                      <m:dPr>
+                        <m:ctrlPr>
+                          <a:rPr lang="fr-FR" i="1">
+                            <a:latin typeface="Cambria Math"/>
+                          </a:rPr>
+                        </m:ctrlPr>
+                      </m:dPr>
+                      <m:e>
+                        <m:r>
+                          <a:rPr lang="fr-FR" i="1">
+                            <a:latin typeface="Cambria Math"/>
+                          </a:rPr>
+                          <m:t>1−</m:t>
+                        </m:r>
+                        <m:r>
+                          <a:rPr lang="fr-FR" i="1">
+                            <a:latin typeface="Cambria Math"/>
+                          </a:rPr>
+                          <m:t>𝑢</m:t>
+                        </m:r>
+                      </m:e>
+                    </m:d>
+                    <m:r>
+                      <a:rPr lang="fr-FR" i="1" dirty="0">
+                        <a:latin typeface="Cambria Math"/>
+                      </a:rPr>
+                      <m:t>⋅</m:t>
+                    </m:r>
+                    <m:sSub>
+                      <m:sSubPr>
+                        <m:ctrlPr>
+                          <a:rPr lang="fr-FR" i="1">
+                            <a:latin typeface="Cambria Math"/>
+                          </a:rPr>
+                        </m:ctrlPr>
+                      </m:sSubPr>
+                      <m:e>
+                        <m:r>
+                          <a:rPr lang="fr-FR" i="1">
+                            <a:latin typeface="Cambria Math"/>
+                          </a:rPr>
+                          <m:t>𝑥</m:t>
+                        </m:r>
+                      </m:e>
+                      <m:sub>
+                        <m:r>
+                          <a:rPr lang="fr-FR" b="0" i="1" smtClean="0">
+                            <a:latin typeface="Cambria Math"/>
+                          </a:rPr>
+                          <m:t>3</m:t>
+                        </m:r>
+                      </m:sub>
+                    </m:sSub>
+                  </m:oMath>
+                </a14:m>
+                <a:endParaRPr lang="fr-FR" dirty="0" smtClean="0"/>
+              </a:p>
+              <a:p>
+                <a:pPr lvl="2"/>
+                <a:endParaRPr lang="fr-FR" dirty="0"/>
+              </a:p>
+            </p:txBody>
+          </p:sp>
+        </mc:Choice>
+        <mc:Fallback>
+          <p:sp>
+            <p:nvSpPr>
+              <p:cNvPr id="9" name="Espace réservé du contenu 2"/>
+              <p:cNvSpPr txBox="1">
+                <a:spLocks noRot="1" noChangeAspect="1" noMove="1" noResize="1" noEditPoints="1" noAdjustHandles="1" noChangeArrowheads="1" noChangeShapeType="1" noTextEdit="1"/>
+              </p:cNvSpPr>
+              <p:nvPr/>
+            </p:nvSpPr>
+            <p:spPr>
+              <a:xfrm>
+                <a:off x="457200" y="3837658"/>
+                <a:ext cx="7467600" cy="2636294"/>
+              </a:xfrm>
+              <a:prstGeom prst="rect">
+                <a:avLst/>
+              </a:prstGeom>
+              <a:blipFill rotWithShape="1">
+                <a:blip r:embed="rId4"/>
+                <a:stretch>
+                  <a:fillRect l="-82" t="-2315"/>
+                </a:stretch>
+              </a:blipFill>
+            </p:spPr>
+            <p:txBody>
+              <a:bodyPr/>
+              <a:lstStyle/>
+              <a:p>
+                <a:r>
+                  <a:rPr lang="fr-FR">
+                    <a:noFill/>
+                  </a:rPr>
+                  <a:t> </a:t>
+                </a:r>
+              </a:p>
+            </p:txBody>
+          </p:sp>
+        </mc:Fallback>
+      </mc:AlternateContent>
+      <p:sp>
+        <p:nvSpPr>
+          <p:cNvPr id="5" name="Espace réservé du pied de page 4"/>
           <p:cNvSpPr>
             <a:spLocks noGrp="1"/>
           </p:cNvSpPr>
@@ -6267,20 +8024,1041 @@
     </p:spTree>
     <p:extLst>
       <p:ext uri="{BB962C8B-B14F-4D97-AF65-F5344CB8AC3E}">
-        <p14:creationId xmlns:p14="http://schemas.microsoft.com/office/powerpoint/2010/main" val="3630586616"/>
+        <p14:creationId xmlns:p14="http://schemas.microsoft.com/office/powerpoint/2010/main" val="3740793914"/>
       </p:ext>
     </p:extLst>
   </p:cSld>
   <p:clrMapOvr>
     <a:masterClrMapping/>
   </p:clrMapOvr>
-  <p:timing>
-    <p:tnLst>
-      <p:par>
-        <p:cTn id="1" dur="indefinite" restart="never" nodeType="tmRoot"/>
-      </p:par>
-    </p:tnLst>
-  </p:timing>
+</p:sld>
+</file>
+
+<file path=ppt/slides/slide3.xml><?xml version="1.0" encoding="utf-8"?>
+<p:sld xmlns:a="http://schemas.openxmlformats.org/drawingml/2006/main" xmlns:r="http://schemas.openxmlformats.org/officeDocument/2006/relationships" xmlns:p="http://schemas.openxmlformats.org/presentationml/2006/main">
+  <p:cSld>
+    <p:spTree>
+      <p:nvGrpSpPr>
+        <p:cNvPr id="1" name=""/>
+        <p:cNvGrpSpPr/>
+        <p:nvPr/>
+      </p:nvGrpSpPr>
+      <p:grpSpPr>
+        <a:xfrm>
+          <a:off x="0" y="0"/>
+          <a:ext cx="0" cy="0"/>
+          <a:chOff x="0" y="0"/>
+          <a:chExt cx="0" cy="0"/>
+        </a:xfrm>
+      </p:grpSpPr>
+      <p:sp>
+        <p:nvSpPr>
+          <p:cNvPr id="2" name="Titre 1"/>
+          <p:cNvSpPr>
+            <a:spLocks noGrp="1"/>
+          </p:cNvSpPr>
+          <p:nvPr>
+            <p:ph type="title"/>
+          </p:nvPr>
+        </p:nvSpPr>
+        <p:spPr/>
+        <p:txBody>
+          <a:bodyPr/>
+          <a:lstStyle/>
+          <a:p>
+            <a:r>
+              <a:rPr lang="fr-FR" dirty="0" smtClean="0"/>
+              <a:t>Introductio</a:t>
+            </a:r>
+            <a:r>
+              <a:rPr lang="fr-FR" dirty="0"/>
+              <a:t>n</a:t>
+            </a:r>
+          </a:p>
+        </p:txBody>
+      </p:sp>
+      <p:sp>
+        <p:nvSpPr>
+          <p:cNvPr id="3" name="Espace réservé du contenu 2"/>
+          <p:cNvSpPr>
+            <a:spLocks noGrp="1"/>
+          </p:cNvSpPr>
+          <p:nvPr>
+            <p:ph sz="quarter" idx="1"/>
+          </p:nvPr>
+        </p:nvSpPr>
+        <p:spPr/>
+        <p:txBody>
+          <a:bodyPr/>
+          <a:lstStyle/>
+          <a:p>
+            <a:endParaRPr lang="fr-FR" dirty="0" smtClean="0"/>
+          </a:p>
+          <a:p>
+            <a:endParaRPr lang="fr-FR" dirty="0"/>
+          </a:p>
+          <a:p>
+            <a:endParaRPr lang="fr-FR" dirty="0" smtClean="0"/>
+          </a:p>
+          <a:p>
+            <a:endParaRPr lang="fr-FR" dirty="0"/>
+          </a:p>
+          <a:p>
+            <a:endParaRPr lang="fr-FR" dirty="0" smtClean="0"/>
+          </a:p>
+          <a:p>
+            <a:endParaRPr lang="fr-FR" dirty="0"/>
+          </a:p>
+          <a:p>
+            <a:r>
+              <a:rPr lang="fr-FR" dirty="0" smtClean="0"/>
+              <a:t>Courbes de Bézier de degré 3 – 4 pôles</a:t>
+            </a:r>
+            <a:endParaRPr lang="fr-FR" dirty="0"/>
+          </a:p>
+        </p:txBody>
+      </p:sp>
+      <p:sp>
+        <p:nvSpPr>
+          <p:cNvPr id="4" name="Espace réservé du numéro de diapositive 3"/>
+          <p:cNvSpPr>
+            <a:spLocks noGrp="1"/>
+          </p:cNvSpPr>
+          <p:nvPr>
+            <p:ph type="sldNum" sz="quarter" idx="15"/>
+          </p:nvPr>
+        </p:nvSpPr>
+        <p:spPr/>
+        <p:txBody>
+          <a:bodyPr/>
+          <a:lstStyle/>
+          <a:p>
+            <a:fld id="{CF4668DC-857F-487D-BFFA-8C0CA5037977}" type="slidenum">
+              <a:rPr lang="fr-BE" smtClean="0"/>
+              <a:t>3</a:t>
+            </a:fld>
+            <a:endParaRPr lang="fr-BE"/>
+          </a:p>
+        </p:txBody>
+      </p:sp>
+      <p:sp>
+        <p:nvSpPr>
+          <p:cNvPr id="5" name="Espace réservé du pied de page 4"/>
+          <p:cNvSpPr>
+            <a:spLocks noGrp="1"/>
+          </p:cNvSpPr>
+          <p:nvPr>
+            <p:ph type="ftr" sz="quarter" idx="16"/>
+          </p:nvPr>
+        </p:nvSpPr>
+        <p:spPr/>
+        <p:txBody>
+          <a:bodyPr/>
+          <a:lstStyle/>
+          <a:p>
+            <a:r>
+              <a:rPr lang="fr-BE" smtClean="0"/>
+              <a:t>Xavier Pessoles - PTSI - Rouvière</a:t>
+            </a:r>
+            <a:endParaRPr lang="fr-BE"/>
+          </a:p>
+        </p:txBody>
+      </p:sp>
+      <p:pic>
+        <p:nvPicPr>
+          <p:cNvPr id="2050" name="Picture 2" descr="C:\Enseignements\GitHub\Informatique\CI_02_AlgorithmiqueProgrammation\02_IntroductionAlgorithmique\Presentation\Figures\figure_1.png"/>
+          <p:cNvPicPr>
+            <a:picLocks noChangeAspect="1" noChangeArrowheads="1"/>
+          </p:cNvPicPr>
+          <p:nvPr/>
+        </p:nvPicPr>
+        <p:blipFill>
+          <a:blip r:embed="rId2" cstate="print">
+            <a:extLst>
+              <a:ext uri="{28A0092B-C50C-407E-A947-70E740481C1C}">
+                <a14:useLocalDpi xmlns:a14="http://schemas.microsoft.com/office/drawing/2010/main" val="0"/>
+              </a:ext>
+            </a:extLst>
+          </a:blip>
+          <a:srcRect/>
+          <a:stretch>
+            <a:fillRect/>
+          </a:stretch>
+        </p:blipFill>
+        <p:spPr bwMode="auto">
+          <a:xfrm>
+            <a:off x="251520" y="1333815"/>
+            <a:ext cx="2894236" cy="2160000"/>
+          </a:xfrm>
+          <a:prstGeom prst="rect">
+            <a:avLst/>
+          </a:prstGeom>
+          <a:noFill/>
+          <a:extLst>
+            <a:ext uri="{909E8E84-426E-40DD-AFC4-6F175D3DCCD1}">
+              <a14:hiddenFill xmlns:a14="http://schemas.microsoft.com/office/drawing/2010/main">
+                <a:solidFill>
+                  <a:srgbClr val="FFFFFF"/>
+                </a:solidFill>
+              </a14:hiddenFill>
+            </a:ext>
+          </a:extLst>
+        </p:spPr>
+      </p:pic>
+      <p:pic>
+        <p:nvPicPr>
+          <p:cNvPr id="2051" name="Picture 3" descr="C:\Enseignements\GitHub\Informatique\CI_02_AlgorithmiqueProgrammation\02_IntroductionAlgorithmique\Presentation\Figures\figure_2.png"/>
+          <p:cNvPicPr>
+            <a:picLocks noChangeAspect="1" noChangeArrowheads="1"/>
+          </p:cNvPicPr>
+          <p:nvPr/>
+        </p:nvPicPr>
+        <p:blipFill>
+          <a:blip r:embed="rId3" cstate="print">
+            <a:extLst>
+              <a:ext uri="{28A0092B-C50C-407E-A947-70E740481C1C}">
+                <a14:useLocalDpi xmlns:a14="http://schemas.microsoft.com/office/drawing/2010/main" val="0"/>
+              </a:ext>
+            </a:extLst>
+          </a:blip>
+          <a:srcRect/>
+          <a:stretch>
+            <a:fillRect/>
+          </a:stretch>
+        </p:blipFill>
+        <p:spPr bwMode="auto">
+          <a:xfrm>
+            <a:off x="5652120" y="1333815"/>
+            <a:ext cx="2894236" cy="2160000"/>
+          </a:xfrm>
+          <a:prstGeom prst="rect">
+            <a:avLst/>
+          </a:prstGeom>
+          <a:noFill/>
+          <a:extLst>
+            <a:ext uri="{909E8E84-426E-40DD-AFC4-6F175D3DCCD1}">
+              <a14:hiddenFill xmlns:a14="http://schemas.microsoft.com/office/drawing/2010/main">
+                <a:solidFill>
+                  <a:srgbClr val="FFFFFF"/>
+                </a:solidFill>
+              </a14:hiddenFill>
+            </a:ext>
+          </a:extLst>
+        </p:spPr>
+      </p:pic>
+      <p:pic>
+        <p:nvPicPr>
+          <p:cNvPr id="2052" name="Picture 4" descr="C:\Enseignements\GitHub\Informatique\CI_02_AlgorithmiqueProgrammation\02_IntroductionAlgorithmique\Presentation\Figures\figure_3.png"/>
+          <p:cNvPicPr>
+            <a:picLocks noChangeAspect="1" noChangeArrowheads="1"/>
+          </p:cNvPicPr>
+          <p:nvPr/>
+        </p:nvPicPr>
+        <p:blipFill>
+          <a:blip r:embed="rId4" cstate="print">
+            <a:extLst>
+              <a:ext uri="{28A0092B-C50C-407E-A947-70E740481C1C}">
+                <a14:useLocalDpi xmlns:a14="http://schemas.microsoft.com/office/drawing/2010/main" val="0"/>
+              </a:ext>
+            </a:extLst>
+          </a:blip>
+          <a:srcRect/>
+          <a:stretch>
+            <a:fillRect/>
+          </a:stretch>
+        </p:blipFill>
+        <p:spPr bwMode="auto">
+          <a:xfrm>
+            <a:off x="2987824" y="1333814"/>
+            <a:ext cx="2894237" cy="2160000"/>
+          </a:xfrm>
+          <a:prstGeom prst="rect">
+            <a:avLst/>
+          </a:prstGeom>
+          <a:noFill/>
+          <a:extLst>
+            <a:ext uri="{909E8E84-426E-40DD-AFC4-6F175D3DCCD1}">
+              <a14:hiddenFill xmlns:a14="http://schemas.microsoft.com/office/drawing/2010/main">
+                <a:solidFill>
+                  <a:srgbClr val="FFFFFF"/>
+                </a:solidFill>
+              </a14:hiddenFill>
+            </a:ext>
+          </a:extLst>
+        </p:spPr>
+      </p:pic>
+    </p:spTree>
+    <p:extLst>
+      <p:ext uri="{BB962C8B-B14F-4D97-AF65-F5344CB8AC3E}">
+        <p14:creationId xmlns:p14="http://schemas.microsoft.com/office/powerpoint/2010/main" val="1055134454"/>
+      </p:ext>
+    </p:extLst>
+  </p:cSld>
+  <p:clrMapOvr>
+    <a:masterClrMapping/>
+  </p:clrMapOvr>
+</p:sld>
+</file>
+
+<file path=ppt/slides/slide4.xml><?xml version="1.0" encoding="utf-8"?>
+<p:sld xmlns:a="http://schemas.openxmlformats.org/drawingml/2006/main" xmlns:r="http://schemas.openxmlformats.org/officeDocument/2006/relationships" xmlns:p="http://schemas.openxmlformats.org/presentationml/2006/main">
+  <p:cSld>
+    <p:spTree>
+      <p:nvGrpSpPr>
+        <p:cNvPr id="1" name=""/>
+        <p:cNvGrpSpPr/>
+        <p:nvPr/>
+      </p:nvGrpSpPr>
+      <p:grpSpPr>
+        <a:xfrm>
+          <a:off x="0" y="0"/>
+          <a:ext cx="0" cy="0"/>
+          <a:chOff x="0" y="0"/>
+          <a:chExt cx="0" cy="0"/>
+        </a:xfrm>
+      </p:grpSpPr>
+      <p:sp>
+        <p:nvSpPr>
+          <p:cNvPr id="2" name="Titre 1"/>
+          <p:cNvSpPr>
+            <a:spLocks noGrp="1"/>
+          </p:cNvSpPr>
+          <p:nvPr>
+            <p:ph type="title"/>
+          </p:nvPr>
+        </p:nvSpPr>
+        <p:spPr/>
+        <p:txBody>
+          <a:bodyPr>
+            <a:normAutofit fontScale="90000"/>
+          </a:bodyPr>
+          <a:lstStyle/>
+          <a:p>
+            <a:r>
+              <a:rPr lang="fr-FR" dirty="0" smtClean="0"/>
+              <a:t>Syntaxe</a:t>
+            </a:r>
+            <a:br>
+              <a:rPr lang="fr-FR" dirty="0" smtClean="0"/>
+            </a:br>
+            <a:r>
+              <a:rPr lang="fr-FR" dirty="0" smtClean="0"/>
+              <a:t>Sémantique</a:t>
+            </a:r>
+            <a:endParaRPr lang="fr-FR" dirty="0"/>
+          </a:p>
+        </p:txBody>
+      </p:sp>
+      <p:sp>
+        <p:nvSpPr>
+          <p:cNvPr id="3" name="Espace réservé du contenu 2"/>
+          <p:cNvSpPr>
+            <a:spLocks noGrp="1"/>
+          </p:cNvSpPr>
+          <p:nvPr>
+            <p:ph sz="quarter" idx="1"/>
+          </p:nvPr>
+        </p:nvSpPr>
+        <p:spPr/>
+        <p:txBody>
+          <a:bodyPr/>
+          <a:lstStyle/>
+          <a:p>
+            <a:endParaRPr lang="fr-FR"/>
+          </a:p>
+        </p:txBody>
+      </p:sp>
+      <p:sp>
+        <p:nvSpPr>
+          <p:cNvPr id="4" name="Espace réservé du numéro de diapositive 3"/>
+          <p:cNvSpPr>
+            <a:spLocks noGrp="1"/>
+          </p:cNvSpPr>
+          <p:nvPr>
+            <p:ph type="sldNum" sz="quarter" idx="15"/>
+          </p:nvPr>
+        </p:nvSpPr>
+        <p:spPr/>
+        <p:txBody>
+          <a:bodyPr/>
+          <a:lstStyle/>
+          <a:p>
+            <a:fld id="{CF4668DC-857F-487D-BFFA-8C0CA5037977}" type="slidenum">
+              <a:rPr lang="fr-BE" smtClean="0"/>
+              <a:t>4</a:t>
+            </a:fld>
+            <a:endParaRPr lang="fr-BE"/>
+          </a:p>
+        </p:txBody>
+      </p:sp>
+      <p:sp>
+        <p:nvSpPr>
+          <p:cNvPr id="5" name="Espace réservé du pied de page 4"/>
+          <p:cNvSpPr>
+            <a:spLocks noGrp="1"/>
+          </p:cNvSpPr>
+          <p:nvPr>
+            <p:ph type="ftr" sz="quarter" idx="16"/>
+          </p:nvPr>
+        </p:nvSpPr>
+        <p:spPr/>
+        <p:txBody>
+          <a:bodyPr/>
+          <a:lstStyle/>
+          <a:p>
+            <a:r>
+              <a:rPr lang="fr-BE" smtClean="0"/>
+              <a:t>Xavier Pessoles - PTSI - Rouvière</a:t>
+            </a:r>
+            <a:endParaRPr lang="fr-BE"/>
+          </a:p>
+        </p:txBody>
+      </p:sp>
+    </p:spTree>
+    <p:extLst>
+      <p:ext uri="{BB962C8B-B14F-4D97-AF65-F5344CB8AC3E}">
+        <p14:creationId xmlns:p14="http://schemas.microsoft.com/office/powerpoint/2010/main" val="721985513"/>
+      </p:ext>
+    </p:extLst>
+  </p:cSld>
+  <p:clrMapOvr>
+    <a:masterClrMapping/>
+  </p:clrMapOvr>
+</p:sld>
+</file>
+
+<file path=ppt/slides/slide5.xml><?xml version="1.0" encoding="utf-8"?>
+<p:sld xmlns:a="http://schemas.openxmlformats.org/drawingml/2006/main" xmlns:r="http://schemas.openxmlformats.org/officeDocument/2006/relationships" xmlns:p="http://schemas.openxmlformats.org/presentationml/2006/main">
+  <p:cSld>
+    <p:spTree>
+      <p:nvGrpSpPr>
+        <p:cNvPr id="1" name=""/>
+        <p:cNvGrpSpPr/>
+        <p:nvPr/>
+      </p:nvGrpSpPr>
+      <p:grpSpPr>
+        <a:xfrm>
+          <a:off x="0" y="0"/>
+          <a:ext cx="0" cy="0"/>
+          <a:chOff x="0" y="0"/>
+          <a:chExt cx="0" cy="0"/>
+        </a:xfrm>
+      </p:grpSpPr>
+      <p:sp>
+        <p:nvSpPr>
+          <p:cNvPr id="2" name="Titre 1"/>
+          <p:cNvSpPr>
+            <a:spLocks noGrp="1"/>
+          </p:cNvSpPr>
+          <p:nvPr>
+            <p:ph type="title"/>
+          </p:nvPr>
+        </p:nvSpPr>
+        <p:spPr/>
+        <p:txBody>
+          <a:bodyPr>
+            <a:normAutofit fontScale="90000"/>
+          </a:bodyPr>
+          <a:lstStyle/>
+          <a:p>
+            <a:r>
+              <a:rPr lang="fr-FR" dirty="0" smtClean="0"/>
+              <a:t>Syntaxe</a:t>
+            </a:r>
+            <a:br>
+              <a:rPr lang="fr-FR" dirty="0" smtClean="0"/>
+            </a:br>
+            <a:r>
+              <a:rPr lang="fr-FR" dirty="0" smtClean="0"/>
+              <a:t>Définition de fonctions</a:t>
+            </a:r>
+            <a:endParaRPr lang="fr-FR" dirty="0"/>
+          </a:p>
+        </p:txBody>
+      </p:sp>
+      <p:sp>
+        <p:nvSpPr>
+          <p:cNvPr id="3" name="Espace réservé du contenu 2"/>
+          <p:cNvSpPr>
+            <a:spLocks noGrp="1"/>
+          </p:cNvSpPr>
+          <p:nvPr>
+            <p:ph sz="quarter" idx="1"/>
+          </p:nvPr>
+        </p:nvSpPr>
+        <p:spPr/>
+        <p:txBody>
+          <a:bodyPr/>
+          <a:lstStyle/>
+          <a:p>
+            <a:endParaRPr lang="fr-FR"/>
+          </a:p>
+        </p:txBody>
+      </p:sp>
+      <p:sp>
+        <p:nvSpPr>
+          <p:cNvPr id="4" name="Espace réservé du numéro de diapositive 3"/>
+          <p:cNvSpPr>
+            <a:spLocks noGrp="1"/>
+          </p:cNvSpPr>
+          <p:nvPr>
+            <p:ph type="sldNum" sz="quarter" idx="15"/>
+          </p:nvPr>
+        </p:nvSpPr>
+        <p:spPr/>
+        <p:txBody>
+          <a:bodyPr/>
+          <a:lstStyle/>
+          <a:p>
+            <a:fld id="{CF4668DC-857F-487D-BFFA-8C0CA5037977}" type="slidenum">
+              <a:rPr lang="fr-BE" smtClean="0"/>
+              <a:t>5</a:t>
+            </a:fld>
+            <a:endParaRPr lang="fr-BE"/>
+          </a:p>
+        </p:txBody>
+      </p:sp>
+      <p:sp>
+        <p:nvSpPr>
+          <p:cNvPr id="5" name="Espace réservé du pied de page 4"/>
+          <p:cNvSpPr>
+            <a:spLocks noGrp="1"/>
+          </p:cNvSpPr>
+          <p:nvPr>
+            <p:ph type="ftr" sz="quarter" idx="16"/>
+          </p:nvPr>
+        </p:nvSpPr>
+        <p:spPr/>
+        <p:txBody>
+          <a:bodyPr/>
+          <a:lstStyle/>
+          <a:p>
+            <a:r>
+              <a:rPr lang="fr-BE" smtClean="0"/>
+              <a:t>Xavier Pessoles - PTSI - Rouvière</a:t>
+            </a:r>
+            <a:endParaRPr lang="fr-BE"/>
+          </a:p>
+        </p:txBody>
+      </p:sp>
+    </p:spTree>
+    <p:extLst>
+      <p:ext uri="{BB962C8B-B14F-4D97-AF65-F5344CB8AC3E}">
+        <p14:creationId xmlns:p14="http://schemas.microsoft.com/office/powerpoint/2010/main" val="3079741641"/>
+      </p:ext>
+    </p:extLst>
+  </p:cSld>
+  <p:clrMapOvr>
+    <a:masterClrMapping/>
+  </p:clrMapOvr>
+</p:sld>
+</file>
+
+<file path=ppt/slides/slide6.xml><?xml version="1.0" encoding="utf-8"?>
+<p:sld xmlns:a="http://schemas.openxmlformats.org/drawingml/2006/main" xmlns:r="http://schemas.openxmlformats.org/officeDocument/2006/relationships" xmlns:p="http://schemas.openxmlformats.org/presentationml/2006/main">
+  <p:cSld>
+    <p:spTree>
+      <p:nvGrpSpPr>
+        <p:cNvPr id="1" name=""/>
+        <p:cNvGrpSpPr/>
+        <p:nvPr/>
+      </p:nvGrpSpPr>
+      <p:grpSpPr>
+        <a:xfrm>
+          <a:off x="0" y="0"/>
+          <a:ext cx="0" cy="0"/>
+          <a:chOff x="0" y="0"/>
+          <a:chExt cx="0" cy="0"/>
+        </a:xfrm>
+      </p:grpSpPr>
+      <p:sp>
+        <p:nvSpPr>
+          <p:cNvPr id="2" name="Titre 1"/>
+          <p:cNvSpPr>
+            <a:spLocks noGrp="1"/>
+          </p:cNvSpPr>
+          <p:nvPr>
+            <p:ph type="title"/>
+          </p:nvPr>
+        </p:nvSpPr>
+        <p:spPr/>
+        <p:txBody>
+          <a:bodyPr>
+            <a:normAutofit fontScale="90000"/>
+          </a:bodyPr>
+          <a:lstStyle/>
+          <a:p>
+            <a:r>
+              <a:rPr lang="fr-FR" dirty="0" smtClean="0"/>
+              <a:t>Syntaxe</a:t>
+            </a:r>
+            <a:br>
+              <a:rPr lang="fr-FR" dirty="0" smtClean="0"/>
+            </a:br>
+            <a:r>
+              <a:rPr lang="fr-FR" dirty="0" smtClean="0"/>
+              <a:t>Import de fonctions</a:t>
+            </a:r>
+            <a:endParaRPr lang="fr-FR" dirty="0"/>
+          </a:p>
+        </p:txBody>
+      </p:sp>
+      <p:sp>
+        <p:nvSpPr>
+          <p:cNvPr id="3" name="Espace réservé du contenu 2"/>
+          <p:cNvSpPr>
+            <a:spLocks noGrp="1"/>
+          </p:cNvSpPr>
+          <p:nvPr>
+            <p:ph sz="quarter" idx="1"/>
+          </p:nvPr>
+        </p:nvSpPr>
+        <p:spPr/>
+        <p:txBody>
+          <a:bodyPr/>
+          <a:lstStyle/>
+          <a:p>
+            <a:endParaRPr lang="fr-FR"/>
+          </a:p>
+        </p:txBody>
+      </p:sp>
+      <p:sp>
+        <p:nvSpPr>
+          <p:cNvPr id="4" name="Espace réservé du numéro de diapositive 3"/>
+          <p:cNvSpPr>
+            <a:spLocks noGrp="1"/>
+          </p:cNvSpPr>
+          <p:nvPr>
+            <p:ph type="sldNum" sz="quarter" idx="15"/>
+          </p:nvPr>
+        </p:nvSpPr>
+        <p:spPr/>
+        <p:txBody>
+          <a:bodyPr/>
+          <a:lstStyle/>
+          <a:p>
+            <a:fld id="{CF4668DC-857F-487D-BFFA-8C0CA5037977}" type="slidenum">
+              <a:rPr lang="fr-BE" smtClean="0"/>
+              <a:t>6</a:t>
+            </a:fld>
+            <a:endParaRPr lang="fr-BE"/>
+          </a:p>
+        </p:txBody>
+      </p:sp>
+      <p:sp>
+        <p:nvSpPr>
+          <p:cNvPr id="5" name="Espace réservé du pied de page 4"/>
+          <p:cNvSpPr>
+            <a:spLocks noGrp="1"/>
+          </p:cNvSpPr>
+          <p:nvPr>
+            <p:ph type="ftr" sz="quarter" idx="16"/>
+          </p:nvPr>
+        </p:nvSpPr>
+        <p:spPr/>
+        <p:txBody>
+          <a:bodyPr/>
+          <a:lstStyle/>
+          <a:p>
+            <a:r>
+              <a:rPr lang="fr-BE" smtClean="0"/>
+              <a:t>Xavier Pessoles - PTSI - Rouvière</a:t>
+            </a:r>
+            <a:endParaRPr lang="fr-BE"/>
+          </a:p>
+        </p:txBody>
+      </p:sp>
+    </p:spTree>
+    <p:extLst>
+      <p:ext uri="{BB962C8B-B14F-4D97-AF65-F5344CB8AC3E}">
+        <p14:creationId xmlns:p14="http://schemas.microsoft.com/office/powerpoint/2010/main" val="1795253174"/>
+      </p:ext>
+    </p:extLst>
+  </p:cSld>
+  <p:clrMapOvr>
+    <a:masterClrMapping/>
+  </p:clrMapOvr>
+</p:sld>
+</file>
+
+<file path=ppt/slides/slide7.xml><?xml version="1.0" encoding="utf-8"?>
+<p:sld xmlns:a="http://schemas.openxmlformats.org/drawingml/2006/main" xmlns:r="http://schemas.openxmlformats.org/officeDocument/2006/relationships" xmlns:p="http://schemas.openxmlformats.org/presentationml/2006/main">
+  <p:cSld>
+    <p:spTree>
+      <p:nvGrpSpPr>
+        <p:cNvPr id="1" name=""/>
+        <p:cNvGrpSpPr/>
+        <p:nvPr/>
+      </p:nvGrpSpPr>
+      <p:grpSpPr>
+        <a:xfrm>
+          <a:off x="0" y="0"/>
+          <a:ext cx="0" cy="0"/>
+          <a:chOff x="0" y="0"/>
+          <a:chExt cx="0" cy="0"/>
+        </a:xfrm>
+      </p:grpSpPr>
+      <p:sp>
+        <p:nvSpPr>
+          <p:cNvPr id="2" name="Titre 1"/>
+          <p:cNvSpPr>
+            <a:spLocks noGrp="1"/>
+          </p:cNvSpPr>
+          <p:nvPr>
+            <p:ph type="title"/>
+          </p:nvPr>
+        </p:nvSpPr>
+        <p:spPr/>
+        <p:txBody>
+          <a:bodyPr>
+            <a:normAutofit fontScale="90000"/>
+          </a:bodyPr>
+          <a:lstStyle/>
+          <a:p>
+            <a:r>
+              <a:rPr lang="fr-FR" dirty="0" smtClean="0"/>
+              <a:t>Instructions conditionnelles</a:t>
+            </a:r>
+            <a:br>
+              <a:rPr lang="fr-FR" dirty="0" smtClean="0"/>
+            </a:br>
+            <a:r>
+              <a:rPr lang="fr-FR" dirty="0" smtClean="0"/>
+              <a:t>Expressions booléennes</a:t>
+            </a:r>
+            <a:endParaRPr lang="fr-FR" dirty="0"/>
+          </a:p>
+        </p:txBody>
+      </p:sp>
+      <p:sp>
+        <p:nvSpPr>
+          <p:cNvPr id="3" name="Espace réservé du contenu 2"/>
+          <p:cNvSpPr>
+            <a:spLocks noGrp="1"/>
+          </p:cNvSpPr>
+          <p:nvPr>
+            <p:ph sz="quarter" idx="1"/>
+          </p:nvPr>
+        </p:nvSpPr>
+        <p:spPr/>
+        <p:txBody>
+          <a:bodyPr/>
+          <a:lstStyle/>
+          <a:p>
+            <a:endParaRPr lang="fr-FR"/>
+          </a:p>
+        </p:txBody>
+      </p:sp>
+      <p:sp>
+        <p:nvSpPr>
+          <p:cNvPr id="4" name="Espace réservé du numéro de diapositive 3"/>
+          <p:cNvSpPr>
+            <a:spLocks noGrp="1"/>
+          </p:cNvSpPr>
+          <p:nvPr>
+            <p:ph type="sldNum" sz="quarter" idx="15"/>
+          </p:nvPr>
+        </p:nvSpPr>
+        <p:spPr/>
+        <p:txBody>
+          <a:bodyPr/>
+          <a:lstStyle/>
+          <a:p>
+            <a:fld id="{CF4668DC-857F-487D-BFFA-8C0CA5037977}" type="slidenum">
+              <a:rPr lang="fr-BE" smtClean="0"/>
+              <a:t>7</a:t>
+            </a:fld>
+            <a:endParaRPr lang="fr-BE"/>
+          </a:p>
+        </p:txBody>
+      </p:sp>
+      <p:sp>
+        <p:nvSpPr>
+          <p:cNvPr id="5" name="Espace réservé du pied de page 4"/>
+          <p:cNvSpPr>
+            <a:spLocks noGrp="1"/>
+          </p:cNvSpPr>
+          <p:nvPr>
+            <p:ph type="ftr" sz="quarter" idx="16"/>
+          </p:nvPr>
+        </p:nvSpPr>
+        <p:spPr/>
+        <p:txBody>
+          <a:bodyPr/>
+          <a:lstStyle/>
+          <a:p>
+            <a:r>
+              <a:rPr lang="fr-BE" smtClean="0"/>
+              <a:t>Xavier Pessoles - PTSI - Rouvière</a:t>
+            </a:r>
+            <a:endParaRPr lang="fr-BE"/>
+          </a:p>
+        </p:txBody>
+      </p:sp>
+    </p:spTree>
+    <p:extLst>
+      <p:ext uri="{BB962C8B-B14F-4D97-AF65-F5344CB8AC3E}">
+        <p14:creationId xmlns:p14="http://schemas.microsoft.com/office/powerpoint/2010/main" val="1191893238"/>
+      </p:ext>
+    </p:extLst>
+  </p:cSld>
+  <p:clrMapOvr>
+    <a:masterClrMapping/>
+  </p:clrMapOvr>
+</p:sld>
+</file>
+
+<file path=ppt/slides/slide8.xml><?xml version="1.0" encoding="utf-8"?>
+<p:sld xmlns:a="http://schemas.openxmlformats.org/drawingml/2006/main" xmlns:r="http://schemas.openxmlformats.org/officeDocument/2006/relationships" xmlns:p="http://schemas.openxmlformats.org/presentationml/2006/main">
+  <p:cSld>
+    <p:spTree>
+      <p:nvGrpSpPr>
+        <p:cNvPr id="1" name=""/>
+        <p:cNvGrpSpPr/>
+        <p:nvPr/>
+      </p:nvGrpSpPr>
+      <p:grpSpPr>
+        <a:xfrm>
+          <a:off x="0" y="0"/>
+          <a:ext cx="0" cy="0"/>
+          <a:chOff x="0" y="0"/>
+          <a:chExt cx="0" cy="0"/>
+        </a:xfrm>
+      </p:grpSpPr>
+      <p:sp>
+        <p:nvSpPr>
+          <p:cNvPr id="2" name="Titre 1"/>
+          <p:cNvSpPr>
+            <a:spLocks noGrp="1"/>
+          </p:cNvSpPr>
+          <p:nvPr>
+            <p:ph type="title"/>
+          </p:nvPr>
+        </p:nvSpPr>
+        <p:spPr/>
+        <p:txBody>
+          <a:bodyPr>
+            <a:normAutofit fontScale="90000"/>
+          </a:bodyPr>
+          <a:lstStyle/>
+          <a:p>
+            <a:r>
+              <a:rPr lang="fr-FR" dirty="0" smtClean="0"/>
+              <a:t>Instructions conditionnelles</a:t>
+            </a:r>
+            <a:br>
+              <a:rPr lang="fr-FR" dirty="0" smtClean="0"/>
+            </a:br>
+            <a:r>
+              <a:rPr lang="fr-FR" dirty="0" smtClean="0"/>
+              <a:t>Boucle Tant Que</a:t>
+            </a:r>
+            <a:endParaRPr lang="fr-FR" dirty="0"/>
+          </a:p>
+        </p:txBody>
+      </p:sp>
+      <p:sp>
+        <p:nvSpPr>
+          <p:cNvPr id="3" name="Espace réservé du contenu 2"/>
+          <p:cNvSpPr>
+            <a:spLocks noGrp="1"/>
+          </p:cNvSpPr>
+          <p:nvPr>
+            <p:ph sz="quarter" idx="1"/>
+          </p:nvPr>
+        </p:nvSpPr>
+        <p:spPr/>
+        <p:txBody>
+          <a:bodyPr/>
+          <a:lstStyle/>
+          <a:p>
+            <a:endParaRPr lang="fr-FR"/>
+          </a:p>
+        </p:txBody>
+      </p:sp>
+      <p:sp>
+        <p:nvSpPr>
+          <p:cNvPr id="4" name="Espace réservé du numéro de diapositive 3"/>
+          <p:cNvSpPr>
+            <a:spLocks noGrp="1"/>
+          </p:cNvSpPr>
+          <p:nvPr>
+            <p:ph type="sldNum" sz="quarter" idx="15"/>
+          </p:nvPr>
+        </p:nvSpPr>
+        <p:spPr/>
+        <p:txBody>
+          <a:bodyPr/>
+          <a:lstStyle/>
+          <a:p>
+            <a:fld id="{CF4668DC-857F-487D-BFFA-8C0CA5037977}" type="slidenum">
+              <a:rPr lang="fr-BE" smtClean="0"/>
+              <a:t>8</a:t>
+            </a:fld>
+            <a:endParaRPr lang="fr-BE"/>
+          </a:p>
+        </p:txBody>
+      </p:sp>
+      <p:sp>
+        <p:nvSpPr>
+          <p:cNvPr id="5" name="Espace réservé du pied de page 4"/>
+          <p:cNvSpPr>
+            <a:spLocks noGrp="1"/>
+          </p:cNvSpPr>
+          <p:nvPr>
+            <p:ph type="ftr" sz="quarter" idx="16"/>
+          </p:nvPr>
+        </p:nvSpPr>
+        <p:spPr/>
+        <p:txBody>
+          <a:bodyPr/>
+          <a:lstStyle/>
+          <a:p>
+            <a:r>
+              <a:rPr lang="fr-BE" smtClean="0"/>
+              <a:t>Xavier Pessoles - PTSI - Rouvière</a:t>
+            </a:r>
+            <a:endParaRPr lang="fr-BE"/>
+          </a:p>
+        </p:txBody>
+      </p:sp>
+    </p:spTree>
+    <p:extLst>
+      <p:ext uri="{BB962C8B-B14F-4D97-AF65-F5344CB8AC3E}">
+        <p14:creationId xmlns:p14="http://schemas.microsoft.com/office/powerpoint/2010/main" val="2410712510"/>
+      </p:ext>
+    </p:extLst>
+  </p:cSld>
+  <p:clrMapOvr>
+    <a:masterClrMapping/>
+  </p:clrMapOvr>
+</p:sld>
+</file>
+
+<file path=ppt/slides/slide9.xml><?xml version="1.0" encoding="utf-8"?>
+<p:sld xmlns:a="http://schemas.openxmlformats.org/drawingml/2006/main" xmlns:r="http://schemas.openxmlformats.org/officeDocument/2006/relationships" xmlns:p="http://schemas.openxmlformats.org/presentationml/2006/main">
+  <p:cSld>
+    <p:spTree>
+      <p:nvGrpSpPr>
+        <p:cNvPr id="1" name=""/>
+        <p:cNvGrpSpPr/>
+        <p:nvPr/>
+      </p:nvGrpSpPr>
+      <p:grpSpPr>
+        <a:xfrm>
+          <a:off x="0" y="0"/>
+          <a:ext cx="0" cy="0"/>
+          <a:chOff x="0" y="0"/>
+          <a:chExt cx="0" cy="0"/>
+        </a:xfrm>
+      </p:grpSpPr>
+      <p:sp>
+        <p:nvSpPr>
+          <p:cNvPr id="2" name="Titre 1"/>
+          <p:cNvSpPr>
+            <a:spLocks noGrp="1"/>
+          </p:cNvSpPr>
+          <p:nvPr>
+            <p:ph type="title"/>
+          </p:nvPr>
+        </p:nvSpPr>
+        <p:spPr/>
+        <p:txBody>
+          <a:bodyPr>
+            <a:normAutofit fontScale="90000"/>
+          </a:bodyPr>
+          <a:lstStyle/>
+          <a:p>
+            <a:r>
+              <a:rPr lang="fr-FR" dirty="0" smtClean="0"/>
+              <a:t>Instructions conditionnelles</a:t>
+            </a:r>
+            <a:br>
+              <a:rPr lang="fr-FR" dirty="0" smtClean="0"/>
+            </a:br>
+            <a:r>
+              <a:rPr lang="fr-FR" dirty="0" smtClean="0"/>
+              <a:t>Instruction Si – Sinon </a:t>
+            </a:r>
+            <a:endParaRPr lang="fr-FR" dirty="0"/>
+          </a:p>
+        </p:txBody>
+      </p:sp>
+      <p:sp>
+        <p:nvSpPr>
+          <p:cNvPr id="3" name="Espace réservé du contenu 2"/>
+          <p:cNvSpPr>
+            <a:spLocks noGrp="1"/>
+          </p:cNvSpPr>
+          <p:nvPr>
+            <p:ph sz="quarter" idx="1"/>
+          </p:nvPr>
+        </p:nvSpPr>
+        <p:spPr/>
+        <p:txBody>
+          <a:bodyPr/>
+          <a:lstStyle/>
+          <a:p>
+            <a:endParaRPr lang="fr-FR"/>
+          </a:p>
+        </p:txBody>
+      </p:sp>
+      <p:sp>
+        <p:nvSpPr>
+          <p:cNvPr id="4" name="Espace réservé du numéro de diapositive 3"/>
+          <p:cNvSpPr>
+            <a:spLocks noGrp="1"/>
+          </p:cNvSpPr>
+          <p:nvPr>
+            <p:ph type="sldNum" sz="quarter" idx="15"/>
+          </p:nvPr>
+        </p:nvSpPr>
+        <p:spPr/>
+        <p:txBody>
+          <a:bodyPr/>
+          <a:lstStyle/>
+          <a:p>
+            <a:fld id="{CF4668DC-857F-487D-BFFA-8C0CA5037977}" type="slidenum">
+              <a:rPr lang="fr-BE" smtClean="0"/>
+              <a:t>9</a:t>
+            </a:fld>
+            <a:endParaRPr lang="fr-BE"/>
+          </a:p>
+        </p:txBody>
+      </p:sp>
+      <p:sp>
+        <p:nvSpPr>
+          <p:cNvPr id="5" name="Espace réservé du pied de page 4"/>
+          <p:cNvSpPr>
+            <a:spLocks noGrp="1"/>
+          </p:cNvSpPr>
+          <p:nvPr>
+            <p:ph type="ftr" sz="quarter" idx="16"/>
+          </p:nvPr>
+        </p:nvSpPr>
+        <p:spPr/>
+        <p:txBody>
+          <a:bodyPr/>
+          <a:lstStyle/>
+          <a:p>
+            <a:r>
+              <a:rPr lang="fr-BE" smtClean="0"/>
+              <a:t>Xavier Pessoles - PTSI - Rouvière</a:t>
+            </a:r>
+            <a:endParaRPr lang="fr-BE"/>
+          </a:p>
+        </p:txBody>
+      </p:sp>
+    </p:spTree>
+    <p:extLst>
+      <p:ext uri="{BB962C8B-B14F-4D97-AF65-F5344CB8AC3E}">
+        <p14:creationId xmlns:p14="http://schemas.microsoft.com/office/powerpoint/2010/main" val="98018000"/>
+      </p:ext>
+    </p:extLst>
+  </p:cSld>
+  <p:clrMapOvr>
+    <a:masterClrMapping/>
+  </p:clrMapOvr>
 </p:sld>
 </file>
 
